--- a/Output/output_presentation4.pptx
+++ b/Output/output_presentation4.pptx
@@ -6,7 +6,6 @@
   </p:sldMasterIdLst>
   <p:sldIdLst>
     <p:sldId id="256" r:id="rId6"/>
-    <p:sldId id="257" r:id="rId7"/>
   </p:sldIdLst>
   <p:sldSz cx="12192000" cy="6858000"/>
   <p:notesSz cx="6858000" cy="9144000"/>
@@ -131,102 +130,84 @@
               <c:strCache>
                 <c:ptCount val="1"/>
                 <c:pt idx="0">
-                  <c:v>Blogs</c:v>
+                  <c:v>Honda</c:v>
                 </c:pt>
               </c:strCache>
             </c:strRef>
           </c:tx>
           <c:cat>
             <c:strRef>
-              <c:f>Sheet1!$A$2:$A$14</c:f>
+              <c:f>Sheet1!$A$2:$A$11</c:f>
               <c:strCache>
-                <c:ptCount val="13"/>
+                <c:ptCount val="10"/>
                 <c:pt idx="0">
-                  <c:v>Oct-01-2024</c:v>
+                  <c:v>12/1/2024</c:v>
                 </c:pt>
                 <c:pt idx="1">
-                  <c:v>Oct-02-2024</c:v>
+                  <c:v>12/2/2024</c:v>
                 </c:pt>
                 <c:pt idx="2">
-                  <c:v>Oct-03-2024</c:v>
+                  <c:v>12/3/2024</c:v>
                 </c:pt>
                 <c:pt idx="3">
-                  <c:v>Oct-06-2024</c:v>
+                  <c:v>12/4/2024</c:v>
                 </c:pt>
                 <c:pt idx="4">
-                  <c:v>Oct-08-2024</c:v>
+                  <c:v>12/5/2024</c:v>
                 </c:pt>
                 <c:pt idx="5">
-                  <c:v>Oct-14-2024</c:v>
+                  <c:v>12/6/2024</c:v>
                 </c:pt>
                 <c:pt idx="6">
-                  <c:v>Oct-15-2024</c:v>
+                  <c:v>12/7/2024</c:v>
                 </c:pt>
                 <c:pt idx="7">
-                  <c:v>Oct-17-2024</c:v>
+                  <c:v>12/8/2024</c:v>
                 </c:pt>
                 <c:pt idx="8">
-                  <c:v>Oct-19-2024</c:v>
+                  <c:v>12/9/2024</c:v>
                 </c:pt>
                 <c:pt idx="9">
-                  <c:v>Oct-20-2024</c:v>
-                </c:pt>
-                <c:pt idx="10">
-                  <c:v>Oct-21-2024</c:v>
-                </c:pt>
-                <c:pt idx="11">
-                  <c:v>Oct-24-2024</c:v>
-                </c:pt>
-                <c:pt idx="12">
-                  <c:v>Oct-31-2024</c:v>
+                  <c:v>12/10/2024</c:v>
                 </c:pt>
               </c:strCache>
             </c:strRef>
           </c:cat>
           <c:val>
             <c:numRef>
-              <c:f>Sheet1!$B$2:$B$14</c:f>
+              <c:f>Sheet1!$B$2:$B$11</c:f>
               <c:numCache>
                 <c:formatCode>General</c:formatCode>
-                <c:ptCount val="13"/>
+                <c:ptCount val="10"/>
                 <c:pt idx="0">
+                  <c:v>1</c:v>
+                </c:pt>
+                <c:pt idx="1">
                   <c:v>2</c:v>
                 </c:pt>
-                <c:pt idx="1">
+                <c:pt idx="2">
+                  <c:v>1</c:v>
+                </c:pt>
+                <c:pt idx="3">
+                  <c:v>4</c:v>
+                </c:pt>
+                <c:pt idx="4">
+                  <c:v>2</c:v>
+                </c:pt>
+                <c:pt idx="5">
                   <c:v>0</c:v>
                 </c:pt>
-                <c:pt idx="2">
-                  <c:v>0</c:v>
-                </c:pt>
-                <c:pt idx="3">
-                  <c:v>0</c:v>
-                </c:pt>
-                <c:pt idx="4">
-                  <c:v>0</c:v>
-                </c:pt>
-                <c:pt idx="5">
-                  <c:v>5</c:v>
-                </c:pt>
                 <c:pt idx="6">
-                  <c:v>1</c:v>
+                  <c:v>2</c:v>
                 </c:pt>
                 <c:pt idx="7">
                   <c:v>0</c:v>
                 </c:pt>
                 <c:pt idx="8">
-                  <c:v>0</c:v>
+                  <c:v>4</c:v>
                 </c:pt>
                 <c:pt idx="9">
-                  <c:v>1</c:v>
-                </c:pt>
-                <c:pt idx="10">
-                  <c:v>1</c:v>
-                </c:pt>
-                <c:pt idx="11">
-                  <c:v>1</c:v>
-                </c:pt>
-                <c:pt idx="12">
-                  <c:v>0</c:v>
+                  <c:v>2</c:v>
                 </c:pt>
               </c:numCache>
             </c:numRef>
@@ -241,102 +222,84 @@
               <c:strCache>
                 <c:ptCount val="1"/>
                 <c:pt idx="0">
-                  <c:v>Broadsheet</c:v>
+                  <c:v>Kawasaki</c:v>
                 </c:pt>
               </c:strCache>
             </c:strRef>
           </c:tx>
           <c:cat>
             <c:strRef>
-              <c:f>Sheet1!$A$2:$A$14</c:f>
+              <c:f>Sheet1!$A$2:$A$11</c:f>
               <c:strCache>
-                <c:ptCount val="13"/>
+                <c:ptCount val="10"/>
                 <c:pt idx="0">
-                  <c:v>Oct-01-2024</c:v>
+                  <c:v>12/1/2024</c:v>
                 </c:pt>
                 <c:pt idx="1">
-                  <c:v>Oct-02-2024</c:v>
+                  <c:v>12/2/2024</c:v>
                 </c:pt>
                 <c:pt idx="2">
-                  <c:v>Oct-03-2024</c:v>
+                  <c:v>12/3/2024</c:v>
                 </c:pt>
                 <c:pt idx="3">
-                  <c:v>Oct-06-2024</c:v>
+                  <c:v>12/4/2024</c:v>
                 </c:pt>
                 <c:pt idx="4">
-                  <c:v>Oct-08-2024</c:v>
+                  <c:v>12/5/2024</c:v>
                 </c:pt>
                 <c:pt idx="5">
-                  <c:v>Oct-14-2024</c:v>
+                  <c:v>12/6/2024</c:v>
                 </c:pt>
                 <c:pt idx="6">
-                  <c:v>Oct-15-2024</c:v>
+                  <c:v>12/7/2024</c:v>
                 </c:pt>
                 <c:pt idx="7">
-                  <c:v>Oct-17-2024</c:v>
+                  <c:v>12/8/2024</c:v>
                 </c:pt>
                 <c:pt idx="8">
-                  <c:v>Oct-19-2024</c:v>
+                  <c:v>12/9/2024</c:v>
                 </c:pt>
                 <c:pt idx="9">
-                  <c:v>Oct-20-2024</c:v>
-                </c:pt>
-                <c:pt idx="10">
-                  <c:v>Oct-21-2024</c:v>
-                </c:pt>
-                <c:pt idx="11">
-                  <c:v>Oct-24-2024</c:v>
-                </c:pt>
-                <c:pt idx="12">
-                  <c:v>Oct-31-2024</c:v>
+                  <c:v>12/10/2024</c:v>
                 </c:pt>
               </c:strCache>
             </c:strRef>
           </c:cat>
           <c:val>
             <c:numRef>
-              <c:f>Sheet1!$C$2:$C$14</c:f>
+              <c:f>Sheet1!$C$2:$C$11</c:f>
               <c:numCache>
                 <c:formatCode>General</c:formatCode>
-                <c:ptCount val="13"/>
+                <c:ptCount val="10"/>
                 <c:pt idx="0">
-                  <c:v>0</c:v>
+                  <c:v>1</c:v>
                 </c:pt>
                 <c:pt idx="1">
-                  <c:v>0</c:v>
+                  <c:v>9</c:v>
                 </c:pt>
                 <c:pt idx="2">
-                  <c:v>0</c:v>
+                  <c:v>1</c:v>
                 </c:pt>
                 <c:pt idx="3">
-                  <c:v>0</c:v>
+                  <c:v>3</c:v>
                 </c:pt>
                 <c:pt idx="4">
-                  <c:v>0</c:v>
+                  <c:v>4</c:v>
                 </c:pt>
                 <c:pt idx="5">
-                  <c:v>0</c:v>
+                  <c:v>2</c:v>
                 </c:pt>
                 <c:pt idx="6">
                   <c:v>0</c:v>
                 </c:pt>
                 <c:pt idx="7">
-                  <c:v>0</c:v>
+                  <c:v>1</c:v>
                 </c:pt>
                 <c:pt idx="8">
-                  <c:v>0</c:v>
+                  <c:v>3</c:v>
                 </c:pt>
                 <c:pt idx="9">
                   <c:v>1</c:v>
-                </c:pt>
-                <c:pt idx="10">
-                  <c:v>0</c:v>
-                </c:pt>
-                <c:pt idx="11">
-                  <c:v>1</c:v>
-                </c:pt>
-                <c:pt idx="12">
-                  <c:v>0</c:v>
                 </c:pt>
               </c:numCache>
             </c:numRef>
@@ -351,81 +314,72 @@
               <c:strCache>
                 <c:ptCount val="1"/>
                 <c:pt idx="0">
-                  <c:v>Online News</c:v>
+                  <c:v>Suzuki</c:v>
                 </c:pt>
               </c:strCache>
             </c:strRef>
           </c:tx>
           <c:cat>
             <c:strRef>
-              <c:f>Sheet1!$A$2:$A$14</c:f>
+              <c:f>Sheet1!$A$2:$A$11</c:f>
               <c:strCache>
-                <c:ptCount val="13"/>
+                <c:ptCount val="10"/>
                 <c:pt idx="0">
-                  <c:v>Oct-01-2024</c:v>
+                  <c:v>12/1/2024</c:v>
                 </c:pt>
                 <c:pt idx="1">
-                  <c:v>Oct-02-2024</c:v>
+                  <c:v>12/2/2024</c:v>
                 </c:pt>
                 <c:pt idx="2">
-                  <c:v>Oct-03-2024</c:v>
+                  <c:v>12/3/2024</c:v>
                 </c:pt>
                 <c:pt idx="3">
-                  <c:v>Oct-06-2024</c:v>
+                  <c:v>12/4/2024</c:v>
                 </c:pt>
                 <c:pt idx="4">
-                  <c:v>Oct-08-2024</c:v>
+                  <c:v>12/5/2024</c:v>
                 </c:pt>
                 <c:pt idx="5">
-                  <c:v>Oct-14-2024</c:v>
+                  <c:v>12/6/2024</c:v>
                 </c:pt>
                 <c:pt idx="6">
-                  <c:v>Oct-15-2024</c:v>
+                  <c:v>12/7/2024</c:v>
                 </c:pt>
                 <c:pt idx="7">
-                  <c:v>Oct-17-2024</c:v>
+                  <c:v>12/8/2024</c:v>
                 </c:pt>
                 <c:pt idx="8">
-                  <c:v>Oct-19-2024</c:v>
+                  <c:v>12/9/2024</c:v>
                 </c:pt>
                 <c:pt idx="9">
-                  <c:v>Oct-20-2024</c:v>
-                </c:pt>
-                <c:pt idx="10">
-                  <c:v>Oct-21-2024</c:v>
-                </c:pt>
-                <c:pt idx="11">
-                  <c:v>Oct-24-2024</c:v>
-                </c:pt>
-                <c:pt idx="12">
-                  <c:v>Oct-31-2024</c:v>
+                  <c:v>12/10/2024</c:v>
                 </c:pt>
               </c:strCache>
             </c:strRef>
           </c:cat>
           <c:val>
             <c:numRef>
-              <c:f>Sheet1!$D$2:$D$14</c:f>
+              <c:f>Sheet1!$D$2:$D$11</c:f>
               <c:numCache>
                 <c:formatCode>General</c:formatCode>
-                <c:ptCount val="13"/>
+                <c:ptCount val="10"/>
                 <c:pt idx="0">
-                  <c:v>12</c:v>
+                  <c:v>0</c:v>
                 </c:pt>
                 <c:pt idx="1">
-                  <c:v>1</c:v>
+                  <c:v>6</c:v>
                 </c:pt>
                 <c:pt idx="2">
-                  <c:v>1</c:v>
+                  <c:v>0</c:v>
                 </c:pt>
                 <c:pt idx="3">
-                  <c:v>1</c:v>
+                  <c:v>4</c:v>
                 </c:pt>
                 <c:pt idx="4">
-                  <c:v>1</c:v>
+                  <c:v>3</c:v>
                 </c:pt>
                 <c:pt idx="5">
-                  <c:v>1</c:v>
+                  <c:v>2</c:v>
                 </c:pt>
                 <c:pt idx="6">
                   <c:v>2</c:v>
@@ -434,266 +388,170 @@
                   <c:v>1</c:v>
                 </c:pt>
                 <c:pt idx="8">
-                  <c:v>1</c:v>
+                  <c:v>3</c:v>
                 </c:pt>
                 <c:pt idx="9">
                   <c:v>0</c:v>
-                </c:pt>
-                <c:pt idx="10">
-                  <c:v>2</c:v>
-                </c:pt>
-                <c:pt idx="11">
-                  <c:v>2</c:v>
-                </c:pt>
-                <c:pt idx="12">
-                  <c:v>6</c:v>
                 </c:pt>
               </c:numCache>
             </c:numRef>
           </c:val>
         </c:ser>
-        <c:axId val="-2068027336"/>
-        <c:axId val="-2113994440"/>
-      </c:barChart>
-      <c:catAx>
-        <c:axId val="-2068027336"/>
-        <c:scaling>
-          <c:orientation val="minMax"/>
-        </c:scaling>
-        <c:delete val="0"/>
-        <c:axPos val="b"/>
-        <c:majorTickMark val="out"/>
-        <c:minorTickMark val="none"/>
-        <c:tickLblPos val="nextTo"/>
-        <c:crossAx val="-2113994440"/>
-        <c:crosses val="autoZero"/>
-        <c:auto val="1"/>
-        <c:lblAlgn val="ctr"/>
-        <c:lblOffset val="100"/>
-        <c:noMultiLvlLbl val="0"/>
-      </c:catAx>
-      <c:valAx>
-        <c:axId val="-2113994440"/>
-        <c:scaling/>
-        <c:delete val="0"/>
-        <c:axPos val="l"/>
-        <c:majorGridlines/>
-        <c:majorTickMark val="out"/>
-        <c:minorTickMark val="none"/>
-        <c:tickLblPos val="nextTo"/>
-        <c:crossAx val="-2068027336"/>
-        <c:crosses val="autoZero"/>
-      </c:valAx>
-    </c:plotArea>
-    <c:dispBlanksAs val="gap"/>
-  </c:chart>
-  <c:txPr>
-    <a:bodyPr/>
-    <a:lstStyle/>
-    <a:p>
-      <a:pPr>
-        <a:defRPr sz="1800"/>
-      </a:pPr>
-      <a:endParaRPr lang="en-US"/>
-    </a:p>
-  </c:txPr>
-  <c:externalData r:id="rId1">
-    <c:autoUpdate val="0"/>
-  </c:externalData>
-</c:chartSpace>
-</file>
-
-<file path=ppt/charts/chart2.xml><?xml version="1.0" encoding="utf-8"?>
-<c:chartSpace xmlns:c="http://schemas.openxmlformats.org/drawingml/2006/chart" xmlns:a="http://schemas.openxmlformats.org/drawingml/2006/main" xmlns:r="http://schemas.openxmlformats.org/officeDocument/2006/relationships">
-  <c:date1904 val="0"/>
-  <c:chart>
-    <c:autoTitleDeleted val="0"/>
-    <c:plotArea>
-      <c:barChart>
-        <c:barDir val="col"/>
-        <c:grouping val="stacked"/>
         <c:ser>
-          <c:idx val="0"/>
-          <c:order val="0"/>
+          <c:idx val="3"/>
+          <c:order val="3"/>
           <c:tx>
             <c:strRef>
-              <c:f>Sheet1!$B$1</c:f>
+              <c:f>Sheet1!$E$1</c:f>
               <c:strCache>
                 <c:ptCount val="1"/>
                 <c:pt idx="0">
-                  <c:v>Blogs</c:v>
+                  <c:v>Yamaha</c:v>
                 </c:pt>
               </c:strCache>
             </c:strRef>
           </c:tx>
           <c:cat>
             <c:strRef>
-              <c:f>Sheet1!$A$2:$A$14</c:f>
+              <c:f>Sheet1!$A$2:$A$11</c:f>
               <c:strCache>
-                <c:ptCount val="13"/>
+                <c:ptCount val="10"/>
                 <c:pt idx="0">
-                  <c:v>Oct-01-2024</c:v>
+                  <c:v>12/1/2024</c:v>
                 </c:pt>
                 <c:pt idx="1">
-                  <c:v>Oct-02-2024</c:v>
+                  <c:v>12/2/2024</c:v>
                 </c:pt>
                 <c:pt idx="2">
-                  <c:v>Oct-03-2024</c:v>
+                  <c:v>12/3/2024</c:v>
                 </c:pt>
                 <c:pt idx="3">
-                  <c:v>Oct-06-2024</c:v>
+                  <c:v>12/4/2024</c:v>
                 </c:pt>
                 <c:pt idx="4">
-                  <c:v>Oct-08-2024</c:v>
+                  <c:v>12/5/2024</c:v>
                 </c:pt>
                 <c:pt idx="5">
-                  <c:v>Oct-14-2024</c:v>
+                  <c:v>12/6/2024</c:v>
                 </c:pt>
                 <c:pt idx="6">
-                  <c:v>Oct-15-2024</c:v>
+                  <c:v>12/7/2024</c:v>
                 </c:pt>
                 <c:pt idx="7">
-                  <c:v>Oct-17-2024</c:v>
+                  <c:v>12/8/2024</c:v>
                 </c:pt>
                 <c:pt idx="8">
-                  <c:v>Oct-19-2024</c:v>
+                  <c:v>12/9/2024</c:v>
                 </c:pt>
                 <c:pt idx="9">
-                  <c:v>Oct-20-2024</c:v>
-                </c:pt>
-                <c:pt idx="10">
-                  <c:v>Oct-21-2024</c:v>
-                </c:pt>
-                <c:pt idx="11">
-                  <c:v>Oct-24-2024</c:v>
-                </c:pt>
-                <c:pt idx="12">
-                  <c:v>Oct-31-2024</c:v>
+                  <c:v>12/10/2024</c:v>
                 </c:pt>
               </c:strCache>
             </c:strRef>
           </c:cat>
           <c:val>
             <c:numRef>
-              <c:f>Sheet1!$B$2:$B$14</c:f>
+              <c:f>Sheet1!$E$2:$E$11</c:f>
               <c:numCache>
                 <c:formatCode>General</c:formatCode>
-                <c:ptCount val="13"/>
+                <c:ptCount val="10"/>
                 <c:pt idx="0">
+                  <c:v>6</c:v>
+                </c:pt>
+                <c:pt idx="1">
+                  <c:v>13</c:v>
+                </c:pt>
+                <c:pt idx="2">
                   <c:v>2</c:v>
                 </c:pt>
-                <c:pt idx="1">
-                  <c:v>0</c:v>
-                </c:pt>
-                <c:pt idx="2">
-                  <c:v>0</c:v>
-                </c:pt>
                 <c:pt idx="3">
-                  <c:v>0</c:v>
+                  <c:v>5</c:v>
                 </c:pt>
                 <c:pt idx="4">
-                  <c:v>0</c:v>
+                  <c:v>5</c:v>
                 </c:pt>
                 <c:pt idx="5">
-                  <c:v>5</c:v>
+                  <c:v>4</c:v>
                 </c:pt>
                 <c:pt idx="6">
-                  <c:v>1</c:v>
+                  <c:v>3</c:v>
                 </c:pt>
                 <c:pt idx="7">
                   <c:v>0</c:v>
                 </c:pt>
                 <c:pt idx="8">
-                  <c:v>0</c:v>
+                  <c:v>5</c:v>
                 </c:pt>
                 <c:pt idx="9">
-                  <c:v>1</c:v>
-                </c:pt>
-                <c:pt idx="10">
-                  <c:v>1</c:v>
-                </c:pt>
-                <c:pt idx="11">
-                  <c:v>1</c:v>
-                </c:pt>
-                <c:pt idx="12">
-                  <c:v>0</c:v>
+                  <c:v>8</c:v>
                 </c:pt>
               </c:numCache>
             </c:numRef>
           </c:val>
         </c:ser>
         <c:ser>
-          <c:idx val="1"/>
-          <c:order val="1"/>
+          <c:idx val="4"/>
+          <c:order val="4"/>
           <c:tx>
             <c:strRef>
-              <c:f>Sheet1!$C$1</c:f>
+              <c:f>Sheet1!$F$1</c:f>
               <c:strCache>
                 <c:ptCount val="1"/>
                 <c:pt idx="0">
-                  <c:v>Broadsheet</c:v>
+                  <c:v>Motorstar</c:v>
                 </c:pt>
               </c:strCache>
             </c:strRef>
           </c:tx>
           <c:cat>
             <c:strRef>
-              <c:f>Sheet1!$A$2:$A$14</c:f>
+              <c:f>Sheet1!$A$2:$A$11</c:f>
               <c:strCache>
-                <c:ptCount val="13"/>
+                <c:ptCount val="10"/>
                 <c:pt idx="0">
-                  <c:v>Oct-01-2024</c:v>
+                  <c:v>12/1/2024</c:v>
                 </c:pt>
                 <c:pt idx="1">
-                  <c:v>Oct-02-2024</c:v>
+                  <c:v>12/2/2024</c:v>
                 </c:pt>
                 <c:pt idx="2">
-                  <c:v>Oct-03-2024</c:v>
+                  <c:v>12/3/2024</c:v>
                 </c:pt>
                 <c:pt idx="3">
-                  <c:v>Oct-06-2024</c:v>
+                  <c:v>12/4/2024</c:v>
                 </c:pt>
                 <c:pt idx="4">
-                  <c:v>Oct-08-2024</c:v>
+                  <c:v>12/5/2024</c:v>
                 </c:pt>
                 <c:pt idx="5">
-                  <c:v>Oct-14-2024</c:v>
+                  <c:v>12/6/2024</c:v>
                 </c:pt>
                 <c:pt idx="6">
-                  <c:v>Oct-15-2024</c:v>
+                  <c:v>12/7/2024</c:v>
                 </c:pt>
                 <c:pt idx="7">
-                  <c:v>Oct-17-2024</c:v>
+                  <c:v>12/8/2024</c:v>
                 </c:pt>
                 <c:pt idx="8">
-                  <c:v>Oct-19-2024</c:v>
+                  <c:v>12/9/2024</c:v>
                 </c:pt>
                 <c:pt idx="9">
-                  <c:v>Oct-20-2024</c:v>
-                </c:pt>
-                <c:pt idx="10">
-                  <c:v>Oct-21-2024</c:v>
-                </c:pt>
-                <c:pt idx="11">
-                  <c:v>Oct-24-2024</c:v>
-                </c:pt>
-                <c:pt idx="12">
-                  <c:v>Oct-31-2024</c:v>
+                  <c:v>12/10/2024</c:v>
                 </c:pt>
               </c:strCache>
             </c:strRef>
           </c:cat>
           <c:val>
             <c:numRef>
-              <c:f>Sheet1!$C$2:$C$14</c:f>
+              <c:f>Sheet1!$F$2:$F$11</c:f>
               <c:numCache>
                 <c:formatCode>General</c:formatCode>
-                <c:ptCount val="13"/>
+                <c:ptCount val="10"/>
                 <c:pt idx="0">
                   <c:v>0</c:v>
                 </c:pt>
                 <c:pt idx="1">
-                  <c:v>0</c:v>
+                  <c:v>1</c:v>
                 </c:pt>
                 <c:pt idx="2">
                   <c:v>0</c:v>
@@ -717,132 +575,12 @@
                   <c:v>0</c:v>
                 </c:pt>
                 <c:pt idx="9">
-                  <c:v>1</c:v>
-                </c:pt>
-                <c:pt idx="10">
-                  <c:v>0</c:v>
-                </c:pt>
-                <c:pt idx="11">
-                  <c:v>1</c:v>
-                </c:pt>
-                <c:pt idx="12">
                   <c:v>0</c:v>
                 </c:pt>
               </c:numCache>
             </c:numRef>
           </c:val>
         </c:ser>
-        <c:ser>
-          <c:idx val="2"/>
-          <c:order val="2"/>
-          <c:tx>
-            <c:strRef>
-              <c:f>Sheet1!$D$1</c:f>
-              <c:strCache>
-                <c:ptCount val="1"/>
-                <c:pt idx="0">
-                  <c:v>Online News</c:v>
-                </c:pt>
-              </c:strCache>
-            </c:strRef>
-          </c:tx>
-          <c:cat>
-            <c:strRef>
-              <c:f>Sheet1!$A$2:$A$14</c:f>
-              <c:strCache>
-                <c:ptCount val="13"/>
-                <c:pt idx="0">
-                  <c:v>Oct-01-2024</c:v>
-                </c:pt>
-                <c:pt idx="1">
-                  <c:v>Oct-02-2024</c:v>
-                </c:pt>
-                <c:pt idx="2">
-                  <c:v>Oct-03-2024</c:v>
-                </c:pt>
-                <c:pt idx="3">
-                  <c:v>Oct-06-2024</c:v>
-                </c:pt>
-                <c:pt idx="4">
-                  <c:v>Oct-08-2024</c:v>
-                </c:pt>
-                <c:pt idx="5">
-                  <c:v>Oct-14-2024</c:v>
-                </c:pt>
-                <c:pt idx="6">
-                  <c:v>Oct-15-2024</c:v>
-                </c:pt>
-                <c:pt idx="7">
-                  <c:v>Oct-17-2024</c:v>
-                </c:pt>
-                <c:pt idx="8">
-                  <c:v>Oct-19-2024</c:v>
-                </c:pt>
-                <c:pt idx="9">
-                  <c:v>Oct-20-2024</c:v>
-                </c:pt>
-                <c:pt idx="10">
-                  <c:v>Oct-21-2024</c:v>
-                </c:pt>
-                <c:pt idx="11">
-                  <c:v>Oct-24-2024</c:v>
-                </c:pt>
-                <c:pt idx="12">
-                  <c:v>Oct-31-2024</c:v>
-                </c:pt>
-              </c:strCache>
-            </c:strRef>
-          </c:cat>
-          <c:val>
-            <c:numRef>
-              <c:f>Sheet1!$D$2:$D$14</c:f>
-              <c:numCache>
-                <c:formatCode>General</c:formatCode>
-                <c:ptCount val="13"/>
-                <c:pt idx="0">
-                  <c:v>12</c:v>
-                </c:pt>
-                <c:pt idx="1">
-                  <c:v>1</c:v>
-                </c:pt>
-                <c:pt idx="2">
-                  <c:v>1</c:v>
-                </c:pt>
-                <c:pt idx="3">
-                  <c:v>1</c:v>
-                </c:pt>
-                <c:pt idx="4">
-                  <c:v>1</c:v>
-                </c:pt>
-                <c:pt idx="5">
-                  <c:v>1</c:v>
-                </c:pt>
-                <c:pt idx="6">
-                  <c:v>2</c:v>
-                </c:pt>
-                <c:pt idx="7">
-                  <c:v>1</c:v>
-                </c:pt>
-                <c:pt idx="8">
-                  <c:v>1</c:v>
-                </c:pt>
-                <c:pt idx="9">
-                  <c:v>0</c:v>
-                </c:pt>
-                <c:pt idx="10">
-                  <c:v>2</c:v>
-                </c:pt>
-                <c:pt idx="11">
-                  <c:v>2</c:v>
-                </c:pt>
-                <c:pt idx="12">
-                  <c:v>6</c:v>
-                </c:pt>
-              </c:numCache>
-            </c:numRef>
-          </c:val>
-        </c:ser>
-        <c:overlap val="100"/>
         <c:axId val="-2068027336"/>
         <c:axId val="-2113994440"/>
       </c:barChart>
@@ -2494,61 +2232,6 @@
 </file>
 
 <file path=ppt/slides/slide1.xml><?xml version="1.0" encoding="utf-8"?>
-<p:sld xmlns:a="http://schemas.openxmlformats.org/drawingml/2006/main" xmlns:p="http://schemas.openxmlformats.org/presentationml/2006/main" xmlns:r="http://schemas.openxmlformats.org/officeDocument/2006/relationships">
-  <p:cSld>
-    <p:spTree>
-      <p:nvGrpSpPr>
-        <p:cNvPr id="1" name=""/>
-        <p:cNvGrpSpPr/>
-        <p:nvPr/>
-      </p:nvGrpSpPr>
-      <p:grpSpPr/>
-      <p:sp>
-        <p:nvSpPr>
-          <p:cNvPr id="2" name="Text Placeholder 1"/>
-          <p:cNvSpPr>
-            <a:spLocks noGrp="1"/>
-          </p:cNvSpPr>
-          <p:nvPr>
-            <p:ph type="body" idx="14" sz="quarter"/>
-          </p:nvPr>
-        </p:nvSpPr>
-        <p:spPr/>
-        <p:txBody>
-          <a:bodyPr/>
-          <a:lstStyle/>
-          <a:p/>
-        </p:txBody>
-      </p:sp>
-      <p:graphicFrame>
-        <p:nvGraphicFramePr>
-          <p:cNvPr id="3" name="Chart Placeholder 2"/>
-          <p:cNvGraphicFramePr>
-            <a:graphicFrameLocks noGrp="1"/>
-          </p:cNvGraphicFramePr>
-          <p:nvPr>
-            <p:ph type="chart" idx="13" sz="quarter"/>
-          </p:nvPr>
-        </p:nvGraphicFramePr>
-        <p:xfrm>
-          <a:off x="838200" y="1931988"/>
-          <a:ext cx="6105525" cy="4217988"/>
-        </p:xfrm>
-        <a:graphic>
-          <a:graphicData uri="http://schemas.openxmlformats.org/drawingml/2006/chart">
-            <c:chart xmlns:c="http://schemas.openxmlformats.org/drawingml/2006/chart" r:id="rId2"/>
-          </a:graphicData>
-        </a:graphic>
-      </p:graphicFrame>
-    </p:spTree>
-  </p:cSld>
-  <p:clrMapOvr>
-    <a:masterClrMapping/>
-  </p:clrMapOvr>
-</p:sld>
-</file>
-
-<file path=ppt/slides/slide2.xml><?xml version="1.0" encoding="utf-8"?>
 <p:sld xmlns:a="http://schemas.openxmlformats.org/drawingml/2006/main" xmlns:p="http://schemas.openxmlformats.org/presentationml/2006/main" xmlns:r="http://schemas.openxmlformats.org/officeDocument/2006/relationships">
   <p:cSld>
     <p:spTree>

--- a/Output/output_presentation4.pptx
+++ b/Output/output_presentation4.pptx
@@ -116,11 +116,31 @@
 <c:chartSpace xmlns:c="http://schemas.openxmlformats.org/drawingml/2006/chart" xmlns:a="http://schemas.openxmlformats.org/drawingml/2006/main" xmlns:r="http://schemas.openxmlformats.org/officeDocument/2006/relationships">
   <c:date1904 val="0"/>
   <c:chart>
+    <c:title>
+      <c:tx>
+        <c:rich>
+          <a:bodyPr/>
+          <a:lstStyle/>
+          <a:p>
+            <a:pPr>
+              <a:defRPr sz="1800">
+                <a:latin typeface="Arial"/>
+              </a:defRPr>
+            </a:pPr>
+            <a:r>
+              <a:t>Place Chart Title Here</a:t>
+            </a:r>
+          </a:p>
+        </c:rich>
+      </c:tx>
+      <c:layout/>
+      <c:overlay val="0"/>
+    </c:title>
     <c:autoTitleDeleted val="0"/>
     <c:plotArea>
       <c:barChart>
         <c:barDir val="col"/>
-        <c:grouping val="clustered"/>
+        <c:grouping val="stacked"/>
         <c:ser>
           <c:idx val="0"/>
           <c:order val="0"/>
@@ -135,6 +155,26 @@
               </c:strCache>
             </c:strRef>
           </c:tx>
+          <c:dLbls>
+            <c:txPr>
+              <a:bodyPr/>
+              <a:lstStyle/>
+              <a:p>
+                <a:pPr>
+                  <a:defRPr sz="800" b="1">
+                    <a:latin typeface="Arial"/>
+                  </a:defRPr>
+                </a:pPr>
+              </a:p>
+            </c:txPr>
+            <c:showLegendKey val="0"/>
+            <c:showVal val="1"/>
+            <c:showCatName val="0"/>
+            <c:showSerName val="0"/>
+            <c:showPercent val="0"/>
+            <c:showBubbleSize val="0"/>
+            <c:showLeaderLines val="1"/>
+          </c:dLbls>
           <c:cat>
             <c:strRef>
               <c:f>Sheet1!$A$2:$A$11</c:f>
@@ -227,6 +267,26 @@
               </c:strCache>
             </c:strRef>
           </c:tx>
+          <c:dLbls>
+            <c:txPr>
+              <a:bodyPr/>
+              <a:lstStyle/>
+              <a:p>
+                <a:pPr>
+                  <a:defRPr sz="800" b="1">
+                    <a:latin typeface="Arial"/>
+                  </a:defRPr>
+                </a:pPr>
+              </a:p>
+            </c:txPr>
+            <c:showLegendKey val="0"/>
+            <c:showVal val="1"/>
+            <c:showCatName val="0"/>
+            <c:showSerName val="0"/>
+            <c:showPercent val="0"/>
+            <c:showBubbleSize val="0"/>
+            <c:showLeaderLines val="1"/>
+          </c:dLbls>
           <c:cat>
             <c:strRef>
               <c:f>Sheet1!$A$2:$A$11</c:f>
@@ -319,6 +379,26 @@
               </c:strCache>
             </c:strRef>
           </c:tx>
+          <c:dLbls>
+            <c:txPr>
+              <a:bodyPr/>
+              <a:lstStyle/>
+              <a:p>
+                <a:pPr>
+                  <a:defRPr sz="800" b="1">
+                    <a:latin typeface="Arial"/>
+                  </a:defRPr>
+                </a:pPr>
+              </a:p>
+            </c:txPr>
+            <c:showLegendKey val="0"/>
+            <c:showVal val="1"/>
+            <c:showCatName val="0"/>
+            <c:showSerName val="0"/>
+            <c:showPercent val="0"/>
+            <c:showBubbleSize val="0"/>
+            <c:showLeaderLines val="1"/>
+          </c:dLbls>
           <c:cat>
             <c:strRef>
               <c:f>Sheet1!$A$2:$A$11</c:f>
@@ -411,6 +491,26 @@
               </c:strCache>
             </c:strRef>
           </c:tx>
+          <c:dLbls>
+            <c:txPr>
+              <a:bodyPr/>
+              <a:lstStyle/>
+              <a:p>
+                <a:pPr>
+                  <a:defRPr sz="800" b="1">
+                    <a:latin typeface="Arial"/>
+                  </a:defRPr>
+                </a:pPr>
+              </a:p>
+            </c:txPr>
+            <c:showLegendKey val="0"/>
+            <c:showVal val="1"/>
+            <c:showCatName val="0"/>
+            <c:showSerName val="0"/>
+            <c:showPercent val="0"/>
+            <c:showBubbleSize val="0"/>
+            <c:showLeaderLines val="1"/>
+          </c:dLbls>
           <c:cat>
             <c:strRef>
               <c:f>Sheet1!$A$2:$A$11</c:f>
@@ -503,6 +603,26 @@
               </c:strCache>
             </c:strRef>
           </c:tx>
+          <c:dLbls>
+            <c:txPr>
+              <a:bodyPr/>
+              <a:lstStyle/>
+              <a:p>
+                <a:pPr>
+                  <a:defRPr sz="800" b="1">
+                    <a:latin typeface="Arial"/>
+                  </a:defRPr>
+                </a:pPr>
+              </a:p>
+            </c:txPr>
+            <c:showLegendKey val="0"/>
+            <c:showVal val="1"/>
+            <c:showCatName val="0"/>
+            <c:showSerName val="0"/>
+            <c:showPercent val="0"/>
+            <c:showBubbleSize val="0"/>
+            <c:showLeaderLines val="1"/>
+          </c:dLbls>
           <c:cat>
             <c:strRef>
               <c:f>Sheet1!$A$2:$A$11</c:f>
@@ -581,6 +701,7 @@
             </c:numRef>
           </c:val>
         </c:ser>
+        <c:overlap val="100"/>
         <c:axId val="-2068027336"/>
         <c:axId val="-2113994440"/>
       </c:barChart>
@@ -591,6 +712,26 @@
         </c:scaling>
         <c:delete val="0"/>
         <c:axPos val="b"/>
+        <c:title>
+          <c:tx>
+            <c:rich>
+              <a:bodyPr/>
+              <a:lstStyle/>
+              <a:p>
+                <a:pPr>
+                  <a:defRPr sz="1800">
+                    <a:latin typeface="Arial"/>
+                  </a:defRPr>
+                </a:pPr>
+                <a:r>
+                  <a:t>Date</a:t>
+                </a:r>
+              </a:p>
+            </c:rich>
+          </c:tx>
+          <c:layout/>
+          <c:overlay val="0"/>
+        </c:title>
         <c:majorTickMark val="out"/>
         <c:minorTickMark val="none"/>
         <c:tickLblPos val="nextTo"/>
@@ -607,6 +748,26 @@
         <c:delete val="0"/>
         <c:axPos val="l"/>
         <c:majorGridlines/>
+        <c:title>
+          <c:tx>
+            <c:rich>
+              <a:bodyPr/>
+              <a:lstStyle/>
+              <a:p>
+                <a:pPr>
+                  <a:defRPr sz="1800">
+                    <a:latin typeface="Arial"/>
+                  </a:defRPr>
+                </a:pPr>
+                <a:r>
+                  <a:t>Count</a:t>
+                </a:r>
+              </a:p>
+            </c:rich>
+          </c:tx>
+          <c:layout/>
+          <c:overlay val="0"/>
+        </c:title>
         <c:majorTickMark val="out"/>
         <c:minorTickMark val="none"/>
         <c:tickLblPos val="nextTo"/>
@@ -614,6 +775,21 @@
         <c:crosses val="autoZero"/>
       </c:valAx>
     </c:plotArea>
+    <c:legend>
+      <c:legendPos val="b"/>
+      <c:overlay val="0"/>
+      <c:txPr>
+        <a:bodyPr/>
+        <a:lstStyle/>
+        <a:p>
+          <a:pPr>
+            <a:defRPr sz="800" b="1">
+              <a:latin typeface="Arial"/>
+            </a:defRPr>
+          </a:pPr>
+        </a:p>
+      </c:txPr>
+    </c:legend>
     <c:dispBlanksAs val="gap"/>
   </c:chart>
   <c:txPr>
@@ -672,7 +848,7 @@
           <a:p>
             <a:fld id="{D1CC32D1-298F-460F-B7DD-1E078394D21F}" type="datetimeFigureOut">
               <a:rPr lang="en-PH" smtClean="0"/>
-              <a:t>3/5/2025</a:t>
+              <a:t>3/6/2025</a:t>
             </a:fld>
             <a:endParaRPr lang="en-PH"/>
           </a:p>
@@ -750,8 +926,8 @@
         </p:nvSpPr>
         <p:spPr>
           <a:xfrm>
-            <a:off x="7081838" y="1931988"/>
-            <a:ext cx="4271962" cy="4217987"/>
+            <a:off x="7081837" y="1931990"/>
+            <a:ext cx="4271963" cy="4217987"/>
           </a:xfrm>
         </p:spPr>
         <p:txBody>
@@ -842,8 +1018,8 @@
         </p:nvSpPr>
         <p:spPr>
           <a:xfrm>
-            <a:off x="-42293" y="136525"/>
-            <a:ext cx="6197980" cy="923330"/>
+            <a:off x="-42292" y="136525"/>
+            <a:ext cx="6197979" cy="923330"/>
           </a:xfrm>
           <a:prstGeom prst="rect">
             <a:avLst/>
@@ -929,7 +1105,7 @@
           <a:p>
             <a:fld id="{D1CC32D1-298F-460F-B7DD-1E078394D21F}" type="datetimeFigureOut">
               <a:rPr lang="en-PH" smtClean="0"/>
-              <a:t>3/5/2025</a:t>
+              <a:t>3/6/2025</a:t>
             </a:fld>
             <a:endParaRPr lang="en-PH"/>
           </a:p>
@@ -1007,8 +1183,8 @@
         </p:nvSpPr>
         <p:spPr>
           <a:xfrm>
-            <a:off x="7081838" y="1931988"/>
-            <a:ext cx="4271962" cy="4217987"/>
+            <a:off x="7081837" y="1931990"/>
+            <a:ext cx="4271963" cy="4217987"/>
           </a:xfrm>
         </p:spPr>
         <p:txBody>
@@ -1100,7 +1276,7 @@
         <p:spPr>
           <a:xfrm>
             <a:off x="216915" y="136525"/>
-            <a:ext cx="5679568" cy="923330"/>
+            <a:ext cx="5679567" cy="923330"/>
           </a:xfrm>
           <a:prstGeom prst="rect">
             <a:avLst/>
@@ -1148,7 +1324,7 @@
 
 <file path=ppt/slideLayouts/slideLayout3.xml><?xml version="1.0" encoding="utf-8"?>
 <p:sldLayout xmlns:a="http://schemas.openxmlformats.org/drawingml/2006/main" xmlns:r="http://schemas.openxmlformats.org/officeDocument/2006/relationships" xmlns:p="http://schemas.openxmlformats.org/presentationml/2006/main" preserve="1" userDrawn="1">
-  <p:cSld name="PieChart">
+  <p:cSld name="PieChartStandard">
     <p:spTree>
       <p:nvGrpSpPr>
         <p:cNvPr id="1" name=""/>
@@ -1186,7 +1362,7 @@
           <a:p>
             <a:fld id="{D1CC32D1-298F-460F-B7DD-1E078394D21F}" type="datetimeFigureOut">
               <a:rPr lang="en-PH" smtClean="0"/>
-              <a:t>3/5/2025</a:t>
+              <a:t>3/6/2025</a:t>
             </a:fld>
             <a:endParaRPr lang="en-PH"/>
           </a:p>
@@ -1264,8 +1440,8 @@
         </p:nvSpPr>
         <p:spPr>
           <a:xfrm>
-            <a:off x="7081838" y="1931988"/>
-            <a:ext cx="4271962" cy="4217987"/>
+            <a:off x="7081837" y="1931990"/>
+            <a:ext cx="4271963" cy="4217987"/>
           </a:xfrm>
         </p:spPr>
         <p:txBody>
@@ -1356,8 +1532,8 @@
         </p:nvSpPr>
         <p:spPr>
           <a:xfrm>
-            <a:off x="1586582" y="136525"/>
-            <a:ext cx="2940228" cy="923330"/>
+            <a:off x="105988" y="136525"/>
+            <a:ext cx="5901424" cy="923330"/>
           </a:xfrm>
           <a:prstGeom prst="rect">
             <a:avLst/>
@@ -1385,7 +1561,7 @@
                   </a:outerShdw>
                 </a:effectLst>
               </a:rPr>
-              <a:t>Pie Chart</a:t>
+              <a:t>Pie Chart-Standard</a:t>
             </a:r>
           </a:p>
         </p:txBody>
@@ -1404,6 +1580,835 @@
 </file>
 
 <file path=ppt/slideLayouts/slideLayout4.xml><?xml version="1.0" encoding="utf-8"?>
+<p:sldLayout xmlns:a="http://schemas.openxmlformats.org/drawingml/2006/main" xmlns:r="http://schemas.openxmlformats.org/officeDocument/2006/relationships" xmlns:p="http://schemas.openxmlformats.org/presentationml/2006/main" preserve="1" userDrawn="1">
+  <p:cSld name="PieChartDoughnut">
+    <p:spTree>
+      <p:nvGrpSpPr>
+        <p:cNvPr id="1" name=""/>
+        <p:cNvGrpSpPr/>
+        <p:nvPr/>
+      </p:nvGrpSpPr>
+      <p:grpSpPr>
+        <a:xfrm>
+          <a:off x="0" y="0"/>
+          <a:ext cx="0" cy="0"/>
+          <a:chOff x="0" y="0"/>
+          <a:chExt cx="0" cy="0"/>
+        </a:xfrm>
+      </p:grpSpPr>
+      <p:sp>
+        <p:nvSpPr>
+          <p:cNvPr id="5" name="Date Placeholder 4">
+            <a:extLst>
+              <a:ext uri="{FF2B5EF4-FFF2-40B4-BE49-F238E27FC236}">
+                <a16:creationId xmlns:a16="http://schemas.microsoft.com/office/drawing/2014/main" id="{04983B4B-58DC-214F-66A2-149CA91DB26F}"/>
+              </a:ext>
+            </a:extLst>
+          </p:cNvPr>
+          <p:cNvSpPr>
+            <a:spLocks noGrp="1"/>
+          </p:cNvSpPr>
+          <p:nvPr>
+            <p:ph type="dt" sz="half" idx="10"/>
+          </p:nvPr>
+        </p:nvSpPr>
+        <p:spPr/>
+        <p:txBody>
+          <a:bodyPr/>
+          <a:lstStyle/>
+          <a:p>
+            <a:fld id="{D1CC32D1-298F-460F-B7DD-1E078394D21F}" type="datetimeFigureOut">
+              <a:rPr lang="en-PH" smtClean="0"/>
+              <a:t>3/6/2025</a:t>
+            </a:fld>
+            <a:endParaRPr lang="en-PH"/>
+          </a:p>
+        </p:txBody>
+      </p:sp>
+      <p:sp>
+        <p:nvSpPr>
+          <p:cNvPr id="6" name="Footer Placeholder 5">
+            <a:extLst>
+              <a:ext uri="{FF2B5EF4-FFF2-40B4-BE49-F238E27FC236}">
+                <a16:creationId xmlns:a16="http://schemas.microsoft.com/office/drawing/2014/main" id="{8793EE4B-41EF-76D1-C3CE-DD4CF143C6D2}"/>
+              </a:ext>
+            </a:extLst>
+          </p:cNvPr>
+          <p:cNvSpPr>
+            <a:spLocks noGrp="1"/>
+          </p:cNvSpPr>
+          <p:nvPr>
+            <p:ph type="ftr" sz="quarter" idx="11"/>
+          </p:nvPr>
+        </p:nvSpPr>
+        <p:spPr/>
+        <p:txBody>
+          <a:bodyPr/>
+          <a:lstStyle/>
+          <a:p>
+            <a:endParaRPr lang="en-PH"/>
+          </a:p>
+        </p:txBody>
+      </p:sp>
+      <p:sp>
+        <p:nvSpPr>
+          <p:cNvPr id="7" name="Slide Number Placeholder 6">
+            <a:extLst>
+              <a:ext uri="{FF2B5EF4-FFF2-40B4-BE49-F238E27FC236}">
+                <a16:creationId xmlns:a16="http://schemas.microsoft.com/office/drawing/2014/main" id="{74D6DAE9-B988-982E-DE47-34FCAE1C48CB}"/>
+              </a:ext>
+            </a:extLst>
+          </p:cNvPr>
+          <p:cNvSpPr>
+            <a:spLocks noGrp="1"/>
+          </p:cNvSpPr>
+          <p:nvPr>
+            <p:ph type="sldNum" sz="quarter" idx="12"/>
+          </p:nvPr>
+        </p:nvSpPr>
+        <p:spPr/>
+        <p:txBody>
+          <a:bodyPr/>
+          <a:lstStyle/>
+          <a:p>
+            <a:fld id="{D1C3CD72-0E40-44D9-9578-6A734B8CFAF7}" type="slidenum">
+              <a:rPr lang="en-PH" smtClean="0"/>
+              <a:t>‹#›</a:t>
+            </a:fld>
+            <a:endParaRPr lang="en-PH"/>
+          </a:p>
+        </p:txBody>
+      </p:sp>
+      <p:sp>
+        <p:nvSpPr>
+          <p:cNvPr id="11" name="Text Placeholder 10">
+            <a:extLst>
+              <a:ext uri="{FF2B5EF4-FFF2-40B4-BE49-F238E27FC236}">
+                <a16:creationId xmlns:a16="http://schemas.microsoft.com/office/drawing/2014/main" id="{06CA6FEC-F576-D9F1-D67C-7BF855740361}"/>
+              </a:ext>
+            </a:extLst>
+          </p:cNvPr>
+          <p:cNvSpPr>
+            <a:spLocks noGrp="1"/>
+          </p:cNvSpPr>
+          <p:nvPr>
+            <p:ph type="body" sz="quarter" idx="14"/>
+          </p:nvPr>
+        </p:nvSpPr>
+        <p:spPr>
+          <a:xfrm>
+            <a:off x="7081837" y="1931990"/>
+            <a:ext cx="4271963" cy="4217987"/>
+          </a:xfrm>
+        </p:spPr>
+        <p:txBody>
+          <a:bodyPr/>
+          <a:lstStyle/>
+          <a:p>
+            <a:pPr lvl="0"/>
+            <a:r>
+              <a:rPr lang="en-US" dirty="0"/>
+              <a:t>Click to edit Master text styles</a:t>
+            </a:r>
+          </a:p>
+          <a:p>
+            <a:pPr lvl="1"/>
+            <a:r>
+              <a:rPr lang="en-US" dirty="0"/>
+              <a:t>Second level</a:t>
+            </a:r>
+          </a:p>
+          <a:p>
+            <a:pPr lvl="2"/>
+            <a:r>
+              <a:rPr lang="en-US" dirty="0"/>
+              <a:t>Third level</a:t>
+            </a:r>
+          </a:p>
+          <a:p>
+            <a:pPr lvl="3"/>
+            <a:r>
+              <a:rPr lang="en-US" dirty="0"/>
+              <a:t>Fourth level</a:t>
+            </a:r>
+          </a:p>
+          <a:p>
+            <a:pPr lvl="4"/>
+            <a:r>
+              <a:rPr lang="en-US" dirty="0"/>
+              <a:t>Fifth level</a:t>
+            </a:r>
+            <a:endParaRPr lang="en-PH" dirty="0"/>
+          </a:p>
+        </p:txBody>
+      </p:sp>
+      <p:sp>
+        <p:nvSpPr>
+          <p:cNvPr id="9" name="Chart Placeholder 8">
+            <a:extLst>
+              <a:ext uri="{FF2B5EF4-FFF2-40B4-BE49-F238E27FC236}">
+                <a16:creationId xmlns:a16="http://schemas.microsoft.com/office/drawing/2014/main" id="{DD42AFF4-7A7B-E8D5-173D-2C3A2F2EB4EA}"/>
+              </a:ext>
+            </a:extLst>
+          </p:cNvPr>
+          <p:cNvSpPr>
+            <a:spLocks noGrp="1"/>
+          </p:cNvSpPr>
+          <p:nvPr>
+            <p:ph type="chart" sz="quarter" idx="13"/>
+          </p:nvPr>
+        </p:nvSpPr>
+        <p:spPr>
+          <a:xfrm>
+            <a:off x="838200" y="1931988"/>
+            <a:ext cx="6105525" cy="4217988"/>
+          </a:xfrm>
+          <a:solidFill>
+            <a:schemeClr val="bg1"/>
+          </a:solidFill>
+        </p:spPr>
+        <p:txBody>
+          <a:bodyPr/>
+          <a:lstStyle/>
+          <a:p>
+            <a:endParaRPr lang="en-PH"/>
+          </a:p>
+        </p:txBody>
+      </p:sp>
+      <p:sp>
+        <p:nvSpPr>
+          <p:cNvPr id="3" name="Rectangle 2">
+            <a:extLst>
+              <a:ext uri="{FF2B5EF4-FFF2-40B4-BE49-F238E27FC236}">
+                <a16:creationId xmlns:a16="http://schemas.microsoft.com/office/drawing/2014/main" id="{FDC589DB-7ADB-779D-E577-8F63EC40BCC8}"/>
+              </a:ext>
+            </a:extLst>
+          </p:cNvPr>
+          <p:cNvSpPr/>
+          <p:nvPr userDrawn="1"/>
+        </p:nvSpPr>
+        <p:spPr>
+          <a:xfrm>
+            <a:off x="-4266" y="136525"/>
+            <a:ext cx="6121932" cy="923330"/>
+          </a:xfrm>
+          <a:prstGeom prst="rect">
+            <a:avLst/>
+          </a:prstGeom>
+          <a:noFill/>
+        </p:spPr>
+        <p:txBody>
+          <a:bodyPr wrap="none" lIns="91440" tIns="45720" rIns="91440" bIns="45720">
+            <a:spAutoFit/>
+          </a:bodyPr>
+          <a:lstStyle/>
+          <a:p>
+            <a:pPr algn="ctr"/>
+            <a:r>
+              <a:rPr lang="en-US" sz="5400" b="0" cap="none" spc="0" dirty="0">
+                <a:ln w="0"/>
+                <a:solidFill>
+                  <a:schemeClr val="tx1"/>
+                </a:solidFill>
+                <a:effectLst>
+                  <a:outerShdw blurRad="38100" dist="19050" dir="2700000" algn="tl" rotWithShape="0">
+                    <a:schemeClr val="dk1">
+                      <a:alpha val="40000"/>
+                    </a:schemeClr>
+                  </a:outerShdw>
+                </a:effectLst>
+              </a:rPr>
+              <a:t>Pie Chart-Doughnut</a:t>
+            </a:r>
+          </a:p>
+        </p:txBody>
+      </p:sp>
+    </p:spTree>
+    <p:extLst>
+      <p:ext uri="{BB962C8B-B14F-4D97-AF65-F5344CB8AC3E}">
+        <p14:creationId xmlns:p14="http://schemas.microsoft.com/office/powerpoint/2010/main" val="2531702717"/>
+      </p:ext>
+    </p:extLst>
+  </p:cSld>
+  <p:clrMapOvr>
+    <a:masterClrMapping/>
+  </p:clrMapOvr>
+</p:sldLayout>
+</file>
+
+<file path=ppt/slideLayouts/slideLayout5.xml><?xml version="1.0" encoding="utf-8"?>
+<p:sldLayout xmlns:a="http://schemas.openxmlformats.org/drawingml/2006/main" xmlns:r="http://schemas.openxmlformats.org/officeDocument/2006/relationships" xmlns:p="http://schemas.openxmlformats.org/presentationml/2006/main" preserve="1" userDrawn="1">
+  <p:cSld name="PieChartxStandard">
+    <p:spTree>
+      <p:nvGrpSpPr>
+        <p:cNvPr id="1" name=""/>
+        <p:cNvGrpSpPr/>
+        <p:nvPr/>
+      </p:nvGrpSpPr>
+      <p:grpSpPr>
+        <a:xfrm>
+          <a:off x="0" y="0"/>
+          <a:ext cx="0" cy="0"/>
+          <a:chOff x="0" y="0"/>
+          <a:chExt cx="0" cy="0"/>
+        </a:xfrm>
+      </p:grpSpPr>
+      <p:sp>
+        <p:nvSpPr>
+          <p:cNvPr id="5" name="Date Placeholder 4">
+            <a:extLst>
+              <a:ext uri="{FF2B5EF4-FFF2-40B4-BE49-F238E27FC236}">
+                <a16:creationId xmlns:a16="http://schemas.microsoft.com/office/drawing/2014/main" id="{04983B4B-58DC-214F-66A2-149CA91DB26F}"/>
+              </a:ext>
+            </a:extLst>
+          </p:cNvPr>
+          <p:cNvSpPr>
+            <a:spLocks noGrp="1"/>
+          </p:cNvSpPr>
+          <p:nvPr>
+            <p:ph type="dt" sz="half" idx="10"/>
+          </p:nvPr>
+        </p:nvSpPr>
+        <p:spPr/>
+        <p:txBody>
+          <a:bodyPr/>
+          <a:lstStyle/>
+          <a:p>
+            <a:fld id="{D1CC32D1-298F-460F-B7DD-1E078394D21F}" type="datetimeFigureOut">
+              <a:rPr lang="en-PH" smtClean="0"/>
+              <a:t>3/6/2025</a:t>
+            </a:fld>
+            <a:endParaRPr lang="en-PH"/>
+          </a:p>
+        </p:txBody>
+      </p:sp>
+      <p:sp>
+        <p:nvSpPr>
+          <p:cNvPr id="6" name="Footer Placeholder 5">
+            <a:extLst>
+              <a:ext uri="{FF2B5EF4-FFF2-40B4-BE49-F238E27FC236}">
+                <a16:creationId xmlns:a16="http://schemas.microsoft.com/office/drawing/2014/main" id="{8793EE4B-41EF-76D1-C3CE-DD4CF143C6D2}"/>
+              </a:ext>
+            </a:extLst>
+          </p:cNvPr>
+          <p:cNvSpPr>
+            <a:spLocks noGrp="1"/>
+          </p:cNvSpPr>
+          <p:nvPr>
+            <p:ph type="ftr" sz="quarter" idx="11"/>
+          </p:nvPr>
+        </p:nvSpPr>
+        <p:spPr/>
+        <p:txBody>
+          <a:bodyPr/>
+          <a:lstStyle/>
+          <a:p>
+            <a:endParaRPr lang="en-PH"/>
+          </a:p>
+        </p:txBody>
+      </p:sp>
+      <p:sp>
+        <p:nvSpPr>
+          <p:cNvPr id="7" name="Slide Number Placeholder 6">
+            <a:extLst>
+              <a:ext uri="{FF2B5EF4-FFF2-40B4-BE49-F238E27FC236}">
+                <a16:creationId xmlns:a16="http://schemas.microsoft.com/office/drawing/2014/main" id="{74D6DAE9-B988-982E-DE47-34FCAE1C48CB}"/>
+              </a:ext>
+            </a:extLst>
+          </p:cNvPr>
+          <p:cNvSpPr>
+            <a:spLocks noGrp="1"/>
+          </p:cNvSpPr>
+          <p:nvPr>
+            <p:ph type="sldNum" sz="quarter" idx="12"/>
+          </p:nvPr>
+        </p:nvSpPr>
+        <p:spPr/>
+        <p:txBody>
+          <a:bodyPr/>
+          <a:lstStyle/>
+          <a:p>
+            <a:fld id="{D1C3CD72-0E40-44D9-9578-6A734B8CFAF7}" type="slidenum">
+              <a:rPr lang="en-PH" smtClean="0"/>
+              <a:t>‹#›</a:t>
+            </a:fld>
+            <a:endParaRPr lang="en-PH"/>
+          </a:p>
+        </p:txBody>
+      </p:sp>
+      <p:sp>
+        <p:nvSpPr>
+          <p:cNvPr id="11" name="Text Placeholder 10">
+            <a:extLst>
+              <a:ext uri="{FF2B5EF4-FFF2-40B4-BE49-F238E27FC236}">
+                <a16:creationId xmlns:a16="http://schemas.microsoft.com/office/drawing/2014/main" id="{06CA6FEC-F576-D9F1-D67C-7BF855740361}"/>
+              </a:ext>
+            </a:extLst>
+          </p:cNvPr>
+          <p:cNvSpPr>
+            <a:spLocks noGrp="1"/>
+          </p:cNvSpPr>
+          <p:nvPr>
+            <p:ph type="body" sz="quarter" idx="14"/>
+          </p:nvPr>
+        </p:nvSpPr>
+        <p:spPr>
+          <a:xfrm>
+            <a:off x="7081837" y="1931990"/>
+            <a:ext cx="4271963" cy="4217987"/>
+          </a:xfrm>
+        </p:spPr>
+        <p:txBody>
+          <a:bodyPr/>
+          <a:lstStyle/>
+          <a:p>
+            <a:pPr lvl="0"/>
+            <a:r>
+              <a:rPr lang="en-US" dirty="0"/>
+              <a:t>Click to edit Master text styles</a:t>
+            </a:r>
+          </a:p>
+          <a:p>
+            <a:pPr lvl="1"/>
+            <a:r>
+              <a:rPr lang="en-US" dirty="0"/>
+              <a:t>Second level</a:t>
+            </a:r>
+          </a:p>
+          <a:p>
+            <a:pPr lvl="2"/>
+            <a:r>
+              <a:rPr lang="en-US" dirty="0"/>
+              <a:t>Third level</a:t>
+            </a:r>
+          </a:p>
+          <a:p>
+            <a:pPr lvl="3"/>
+            <a:r>
+              <a:rPr lang="en-US" dirty="0"/>
+              <a:t>Fourth level</a:t>
+            </a:r>
+          </a:p>
+          <a:p>
+            <a:pPr lvl="4"/>
+            <a:r>
+              <a:rPr lang="en-US" dirty="0"/>
+              <a:t>Fifth level</a:t>
+            </a:r>
+            <a:endParaRPr lang="en-PH" dirty="0"/>
+          </a:p>
+        </p:txBody>
+      </p:sp>
+      <p:sp>
+        <p:nvSpPr>
+          <p:cNvPr id="9" name="Chart Placeholder 8">
+            <a:extLst>
+              <a:ext uri="{FF2B5EF4-FFF2-40B4-BE49-F238E27FC236}">
+                <a16:creationId xmlns:a16="http://schemas.microsoft.com/office/drawing/2014/main" id="{DD42AFF4-7A7B-E8D5-173D-2C3A2F2EB4EA}"/>
+              </a:ext>
+            </a:extLst>
+          </p:cNvPr>
+          <p:cNvSpPr>
+            <a:spLocks noGrp="1"/>
+          </p:cNvSpPr>
+          <p:nvPr>
+            <p:ph type="chart" sz="quarter" idx="13"/>
+          </p:nvPr>
+        </p:nvSpPr>
+        <p:spPr>
+          <a:xfrm>
+            <a:off x="838200" y="1931988"/>
+            <a:ext cx="6105525" cy="4217988"/>
+          </a:xfrm>
+          <a:solidFill>
+            <a:schemeClr val="bg1"/>
+          </a:solidFill>
+        </p:spPr>
+        <p:txBody>
+          <a:bodyPr/>
+          <a:lstStyle/>
+          <a:p>
+            <a:endParaRPr lang="en-PH"/>
+          </a:p>
+        </p:txBody>
+      </p:sp>
+      <p:sp>
+        <p:nvSpPr>
+          <p:cNvPr id="3" name="Rectangle 2">
+            <a:extLst>
+              <a:ext uri="{FF2B5EF4-FFF2-40B4-BE49-F238E27FC236}">
+                <a16:creationId xmlns:a16="http://schemas.microsoft.com/office/drawing/2014/main" id="{FDC589DB-7ADB-779D-E577-8F63EC40BCC8}"/>
+              </a:ext>
+            </a:extLst>
+          </p:cNvPr>
+          <p:cNvSpPr/>
+          <p:nvPr userDrawn="1"/>
+        </p:nvSpPr>
+        <p:spPr>
+          <a:xfrm>
+            <a:off x="-46266" y="136525"/>
+            <a:ext cx="6205931" cy="923330"/>
+          </a:xfrm>
+          <a:prstGeom prst="rect">
+            <a:avLst/>
+          </a:prstGeom>
+          <a:noFill/>
+        </p:spPr>
+        <p:txBody>
+          <a:bodyPr wrap="none" lIns="91440" tIns="45720" rIns="91440" bIns="45720">
+            <a:spAutoFit/>
+          </a:bodyPr>
+          <a:lstStyle/>
+          <a:p>
+            <a:pPr algn="ctr"/>
+            <a:r>
+              <a:rPr lang="en-US" sz="5400" b="0" cap="none" spc="0" dirty="0">
+                <a:ln w="0"/>
+                <a:solidFill>
+                  <a:schemeClr val="tx1"/>
+                </a:solidFill>
+                <a:effectLst>
+                  <a:outerShdw blurRad="38100" dist="19050" dir="2700000" algn="tl" rotWithShape="0">
+                    <a:schemeClr val="dk1">
+                      <a:alpha val="40000"/>
+                    </a:schemeClr>
+                  </a:outerShdw>
+                </a:effectLst>
+              </a:rPr>
+              <a:t>Pie Chart-</a:t>
+            </a:r>
+            <a:r>
+              <a:rPr lang="en-US" sz="5400" b="0" cap="none" spc="0" dirty="0" err="1">
+                <a:ln w="0"/>
+                <a:solidFill>
+                  <a:schemeClr val="tx1"/>
+                </a:solidFill>
+                <a:effectLst>
+                  <a:outerShdw blurRad="38100" dist="19050" dir="2700000" algn="tl" rotWithShape="0">
+                    <a:schemeClr val="dk1">
+                      <a:alpha val="40000"/>
+                    </a:schemeClr>
+                  </a:outerShdw>
+                </a:effectLst>
+              </a:rPr>
+              <a:t>xStandard</a:t>
+            </a:r>
+            <a:endParaRPr lang="en-US" sz="5400" b="0" cap="none" spc="0" dirty="0">
+              <a:ln w="0"/>
+              <a:solidFill>
+                <a:schemeClr val="tx1"/>
+              </a:solidFill>
+              <a:effectLst>
+                <a:outerShdw blurRad="38100" dist="19050" dir="2700000" algn="tl" rotWithShape="0">
+                  <a:schemeClr val="dk1">
+                    <a:alpha val="40000"/>
+                  </a:schemeClr>
+                </a:outerShdw>
+              </a:effectLst>
+            </a:endParaRPr>
+          </a:p>
+        </p:txBody>
+      </p:sp>
+    </p:spTree>
+    <p:extLst>
+      <p:ext uri="{BB962C8B-B14F-4D97-AF65-F5344CB8AC3E}">
+        <p14:creationId xmlns:p14="http://schemas.microsoft.com/office/powerpoint/2010/main" val="1079936374"/>
+      </p:ext>
+    </p:extLst>
+  </p:cSld>
+  <p:clrMapOvr>
+    <a:masterClrMapping/>
+  </p:clrMapOvr>
+</p:sldLayout>
+</file>
+
+<file path=ppt/slideLayouts/slideLayout6.xml><?xml version="1.0" encoding="utf-8"?>
+<p:sldLayout xmlns:a="http://schemas.openxmlformats.org/drawingml/2006/main" xmlns:r="http://schemas.openxmlformats.org/officeDocument/2006/relationships" xmlns:p="http://schemas.openxmlformats.org/presentationml/2006/main" preserve="1" userDrawn="1">
+  <p:cSld name="PieChartxDoughnut">
+    <p:spTree>
+      <p:nvGrpSpPr>
+        <p:cNvPr id="1" name=""/>
+        <p:cNvGrpSpPr/>
+        <p:nvPr/>
+      </p:nvGrpSpPr>
+      <p:grpSpPr>
+        <a:xfrm>
+          <a:off x="0" y="0"/>
+          <a:ext cx="0" cy="0"/>
+          <a:chOff x="0" y="0"/>
+          <a:chExt cx="0" cy="0"/>
+        </a:xfrm>
+      </p:grpSpPr>
+      <p:sp>
+        <p:nvSpPr>
+          <p:cNvPr id="5" name="Date Placeholder 4">
+            <a:extLst>
+              <a:ext uri="{FF2B5EF4-FFF2-40B4-BE49-F238E27FC236}">
+                <a16:creationId xmlns:a16="http://schemas.microsoft.com/office/drawing/2014/main" id="{04983B4B-58DC-214F-66A2-149CA91DB26F}"/>
+              </a:ext>
+            </a:extLst>
+          </p:cNvPr>
+          <p:cNvSpPr>
+            <a:spLocks noGrp="1"/>
+          </p:cNvSpPr>
+          <p:nvPr>
+            <p:ph type="dt" sz="half" idx="10"/>
+          </p:nvPr>
+        </p:nvSpPr>
+        <p:spPr/>
+        <p:txBody>
+          <a:bodyPr/>
+          <a:lstStyle/>
+          <a:p>
+            <a:fld id="{D1CC32D1-298F-460F-B7DD-1E078394D21F}" type="datetimeFigureOut">
+              <a:rPr lang="en-PH" smtClean="0"/>
+              <a:t>3/6/2025</a:t>
+            </a:fld>
+            <a:endParaRPr lang="en-PH"/>
+          </a:p>
+        </p:txBody>
+      </p:sp>
+      <p:sp>
+        <p:nvSpPr>
+          <p:cNvPr id="6" name="Footer Placeholder 5">
+            <a:extLst>
+              <a:ext uri="{FF2B5EF4-FFF2-40B4-BE49-F238E27FC236}">
+                <a16:creationId xmlns:a16="http://schemas.microsoft.com/office/drawing/2014/main" id="{8793EE4B-41EF-76D1-C3CE-DD4CF143C6D2}"/>
+              </a:ext>
+            </a:extLst>
+          </p:cNvPr>
+          <p:cNvSpPr>
+            <a:spLocks noGrp="1"/>
+          </p:cNvSpPr>
+          <p:nvPr>
+            <p:ph type="ftr" sz="quarter" idx="11"/>
+          </p:nvPr>
+        </p:nvSpPr>
+        <p:spPr/>
+        <p:txBody>
+          <a:bodyPr/>
+          <a:lstStyle/>
+          <a:p>
+            <a:endParaRPr lang="en-PH"/>
+          </a:p>
+        </p:txBody>
+      </p:sp>
+      <p:sp>
+        <p:nvSpPr>
+          <p:cNvPr id="7" name="Slide Number Placeholder 6">
+            <a:extLst>
+              <a:ext uri="{FF2B5EF4-FFF2-40B4-BE49-F238E27FC236}">
+                <a16:creationId xmlns:a16="http://schemas.microsoft.com/office/drawing/2014/main" id="{74D6DAE9-B988-982E-DE47-34FCAE1C48CB}"/>
+              </a:ext>
+            </a:extLst>
+          </p:cNvPr>
+          <p:cNvSpPr>
+            <a:spLocks noGrp="1"/>
+          </p:cNvSpPr>
+          <p:nvPr>
+            <p:ph type="sldNum" sz="quarter" idx="12"/>
+          </p:nvPr>
+        </p:nvSpPr>
+        <p:spPr/>
+        <p:txBody>
+          <a:bodyPr/>
+          <a:lstStyle/>
+          <a:p>
+            <a:fld id="{D1C3CD72-0E40-44D9-9578-6A734B8CFAF7}" type="slidenum">
+              <a:rPr lang="en-PH" smtClean="0"/>
+              <a:t>‹#›</a:t>
+            </a:fld>
+            <a:endParaRPr lang="en-PH"/>
+          </a:p>
+        </p:txBody>
+      </p:sp>
+      <p:sp>
+        <p:nvSpPr>
+          <p:cNvPr id="11" name="Text Placeholder 10">
+            <a:extLst>
+              <a:ext uri="{FF2B5EF4-FFF2-40B4-BE49-F238E27FC236}">
+                <a16:creationId xmlns:a16="http://schemas.microsoft.com/office/drawing/2014/main" id="{06CA6FEC-F576-D9F1-D67C-7BF855740361}"/>
+              </a:ext>
+            </a:extLst>
+          </p:cNvPr>
+          <p:cNvSpPr>
+            <a:spLocks noGrp="1"/>
+          </p:cNvSpPr>
+          <p:nvPr>
+            <p:ph type="body" sz="quarter" idx="14"/>
+          </p:nvPr>
+        </p:nvSpPr>
+        <p:spPr>
+          <a:xfrm>
+            <a:off x="7081837" y="1931990"/>
+            <a:ext cx="4271963" cy="4217987"/>
+          </a:xfrm>
+        </p:spPr>
+        <p:txBody>
+          <a:bodyPr/>
+          <a:lstStyle/>
+          <a:p>
+            <a:pPr lvl="0"/>
+            <a:r>
+              <a:rPr lang="en-US" dirty="0"/>
+              <a:t>Click to edit Master text styles</a:t>
+            </a:r>
+          </a:p>
+          <a:p>
+            <a:pPr lvl="1"/>
+            <a:r>
+              <a:rPr lang="en-US" dirty="0"/>
+              <a:t>Second level</a:t>
+            </a:r>
+          </a:p>
+          <a:p>
+            <a:pPr lvl="2"/>
+            <a:r>
+              <a:rPr lang="en-US" dirty="0"/>
+              <a:t>Third level</a:t>
+            </a:r>
+          </a:p>
+          <a:p>
+            <a:pPr lvl="3"/>
+            <a:r>
+              <a:rPr lang="en-US" dirty="0"/>
+              <a:t>Fourth level</a:t>
+            </a:r>
+          </a:p>
+          <a:p>
+            <a:pPr lvl="4"/>
+            <a:r>
+              <a:rPr lang="en-US" dirty="0"/>
+              <a:t>Fifth level</a:t>
+            </a:r>
+            <a:endParaRPr lang="en-PH" dirty="0"/>
+          </a:p>
+        </p:txBody>
+      </p:sp>
+      <p:sp>
+        <p:nvSpPr>
+          <p:cNvPr id="9" name="Chart Placeholder 8">
+            <a:extLst>
+              <a:ext uri="{FF2B5EF4-FFF2-40B4-BE49-F238E27FC236}">
+                <a16:creationId xmlns:a16="http://schemas.microsoft.com/office/drawing/2014/main" id="{DD42AFF4-7A7B-E8D5-173D-2C3A2F2EB4EA}"/>
+              </a:ext>
+            </a:extLst>
+          </p:cNvPr>
+          <p:cNvSpPr>
+            <a:spLocks noGrp="1"/>
+          </p:cNvSpPr>
+          <p:nvPr>
+            <p:ph type="chart" sz="quarter" idx="13"/>
+          </p:nvPr>
+        </p:nvSpPr>
+        <p:spPr>
+          <a:xfrm>
+            <a:off x="838200" y="1931988"/>
+            <a:ext cx="6105525" cy="4217988"/>
+          </a:xfrm>
+          <a:solidFill>
+            <a:schemeClr val="bg1"/>
+          </a:solidFill>
+        </p:spPr>
+        <p:txBody>
+          <a:bodyPr/>
+          <a:lstStyle/>
+          <a:p>
+            <a:endParaRPr lang="en-PH"/>
+          </a:p>
+        </p:txBody>
+      </p:sp>
+      <p:sp>
+        <p:nvSpPr>
+          <p:cNvPr id="3" name="Rectangle 2">
+            <a:extLst>
+              <a:ext uri="{FF2B5EF4-FFF2-40B4-BE49-F238E27FC236}">
+                <a16:creationId xmlns:a16="http://schemas.microsoft.com/office/drawing/2014/main" id="{FDC589DB-7ADB-779D-E577-8F63EC40BCC8}"/>
+              </a:ext>
+            </a:extLst>
+          </p:cNvPr>
+          <p:cNvSpPr/>
+          <p:nvPr userDrawn="1"/>
+        </p:nvSpPr>
+        <p:spPr>
+          <a:xfrm>
+            <a:off x="-157353" y="136525"/>
+            <a:ext cx="6428106" cy="923330"/>
+          </a:xfrm>
+          <a:prstGeom prst="rect">
+            <a:avLst/>
+          </a:prstGeom>
+          <a:noFill/>
+        </p:spPr>
+        <p:txBody>
+          <a:bodyPr wrap="none" lIns="91440" tIns="45720" rIns="91440" bIns="45720">
+            <a:spAutoFit/>
+          </a:bodyPr>
+          <a:lstStyle/>
+          <a:p>
+            <a:pPr algn="ctr"/>
+            <a:r>
+              <a:rPr lang="en-US" sz="5400" b="0" cap="none" spc="0" dirty="0">
+                <a:ln w="0"/>
+                <a:solidFill>
+                  <a:schemeClr val="tx1"/>
+                </a:solidFill>
+                <a:effectLst>
+                  <a:outerShdw blurRad="38100" dist="19050" dir="2700000" algn="tl" rotWithShape="0">
+                    <a:schemeClr val="dk1">
+                      <a:alpha val="40000"/>
+                    </a:schemeClr>
+                  </a:outerShdw>
+                </a:effectLst>
+              </a:rPr>
+              <a:t>Pie Chart-</a:t>
+            </a:r>
+            <a:r>
+              <a:rPr lang="en-US" sz="5400" b="0" cap="none" spc="0" dirty="0" err="1">
+                <a:ln w="0"/>
+                <a:solidFill>
+                  <a:schemeClr val="tx1"/>
+                </a:solidFill>
+                <a:effectLst>
+                  <a:outerShdw blurRad="38100" dist="19050" dir="2700000" algn="tl" rotWithShape="0">
+                    <a:schemeClr val="dk1">
+                      <a:alpha val="40000"/>
+                    </a:schemeClr>
+                  </a:outerShdw>
+                </a:effectLst>
+              </a:rPr>
+              <a:t>xDoughnut</a:t>
+            </a:r>
+            <a:endParaRPr lang="en-US" sz="5400" b="0" cap="none" spc="0" dirty="0">
+              <a:ln w="0"/>
+              <a:solidFill>
+                <a:schemeClr val="tx1"/>
+              </a:solidFill>
+              <a:effectLst>
+                <a:outerShdw blurRad="38100" dist="19050" dir="2700000" algn="tl" rotWithShape="0">
+                  <a:schemeClr val="dk1">
+                    <a:alpha val="40000"/>
+                  </a:schemeClr>
+                </a:outerShdw>
+              </a:effectLst>
+            </a:endParaRPr>
+          </a:p>
+        </p:txBody>
+      </p:sp>
+    </p:spTree>
+    <p:extLst>
+      <p:ext uri="{BB962C8B-B14F-4D97-AF65-F5344CB8AC3E}">
+        <p14:creationId xmlns:p14="http://schemas.microsoft.com/office/powerpoint/2010/main" val="2914297188"/>
+      </p:ext>
+    </p:extLst>
+  </p:cSld>
+  <p:clrMapOvr>
+    <a:masterClrMapping/>
+  </p:clrMapOvr>
+</p:sldLayout>
+</file>
+
+<file path=ppt/slideLayouts/slideLayout7.xml><?xml version="1.0" encoding="utf-8"?>
 <p:sldLayout xmlns:a="http://schemas.openxmlformats.org/drawingml/2006/main" xmlns:r="http://schemas.openxmlformats.org/officeDocument/2006/relationships" xmlns:p="http://schemas.openxmlformats.org/presentationml/2006/main" preserve="1" userDrawn="1">
   <p:cSld name="LineChart">
     <p:bg>
@@ -1451,7 +2456,7 @@
           <a:p>
             <a:fld id="{D1CC32D1-298F-460F-B7DD-1E078394D21F}" type="datetimeFigureOut">
               <a:rPr lang="en-PH" smtClean="0"/>
-              <a:t>3/5/2025</a:t>
+              <a:t>3/6/2025</a:t>
             </a:fld>
             <a:endParaRPr lang="en-PH"/>
           </a:p>
@@ -1529,8 +2534,8 @@
         </p:nvSpPr>
         <p:spPr>
           <a:xfrm>
-            <a:off x="7081838" y="1931988"/>
-            <a:ext cx="4271962" cy="4217987"/>
+            <a:off x="7081837" y="1931990"/>
+            <a:ext cx="4271963" cy="4217987"/>
           </a:xfrm>
         </p:spPr>
         <p:txBody>
@@ -1621,8 +2626,8 @@
         </p:nvSpPr>
         <p:spPr>
           <a:xfrm>
-            <a:off x="1422274" y="136525"/>
-            <a:ext cx="3268845" cy="923330"/>
+            <a:off x="1422277" y="136525"/>
+            <a:ext cx="3268844" cy="923330"/>
           </a:xfrm>
           <a:prstGeom prst="rect">
             <a:avLst/>
@@ -1708,7 +2713,7 @@
         </p:nvSpPr>
         <p:spPr>
           <a:xfrm>
-            <a:off x="838200" y="365125"/>
+            <a:off x="838200" y="365127"/>
             <a:ext cx="10515600" cy="1325563"/>
           </a:xfrm>
           <a:prstGeom prst="rect">
@@ -1815,7 +2820,7 @@
         </p:nvSpPr>
         <p:spPr>
           <a:xfrm>
-            <a:off x="838200" y="6356350"/>
+            <a:off x="838200" y="6356352"/>
             <a:ext cx="2743200" cy="365125"/>
           </a:xfrm>
           <a:prstGeom prst="rect">
@@ -1838,7 +2843,7 @@
           <a:p>
             <a:fld id="{D1CC32D1-298F-460F-B7DD-1E078394D21F}" type="datetimeFigureOut">
               <a:rPr lang="en-PH" smtClean="0"/>
-              <a:t>3/5/2025</a:t>
+              <a:t>3/6/2025</a:t>
             </a:fld>
             <a:endParaRPr lang="en-PH"/>
           </a:p>
@@ -1862,7 +2867,7 @@
         </p:nvSpPr>
         <p:spPr>
           <a:xfrm>
-            <a:off x="4038600" y="6356350"/>
+            <a:off x="4038600" y="6356352"/>
             <a:ext cx="4114800" cy="365125"/>
           </a:xfrm>
           <a:prstGeom prst="rect">
@@ -1905,7 +2910,7 @@
         </p:nvSpPr>
         <p:spPr>
           <a:xfrm>
-            <a:off x="8610600" y="6356350"/>
+            <a:off x="8610600" y="6356352"/>
             <a:ext cx="2743200" cy="365125"/>
           </a:xfrm>
           <a:prstGeom prst="rect">
@@ -1946,7 +2951,10 @@
     <p:sldLayoutId id="2147483652" r:id="rId1"/>
     <p:sldLayoutId id="2147483655" r:id="rId2"/>
     <p:sldLayoutId id="2147483653" r:id="rId3"/>
-    <p:sldLayoutId id="2147483654" r:id="rId4"/>
+    <p:sldLayoutId id="2147483656" r:id="rId4"/>
+    <p:sldLayoutId id="2147483657" r:id="rId5"/>
+    <p:sldLayoutId id="2147483658" r:id="rId6"/>
+    <p:sldLayoutId id="2147483654" r:id="rId7"/>
   </p:sldLayoutIdLst>
   <p:txStyles>
     <p:titleStyle>

--- a/Output/output_presentation4.pptx
+++ b/Output/output_presentation4.pptx
@@ -123,12 +123,15 @@
           <a:lstStyle/>
           <a:p>
             <a:pPr>
-              <a:defRPr sz="1800">
+              <a:defRPr sz="3000">
+                <a:solidFill>
+                  <a:srgbClr val="F10505"/>
+                </a:solidFill>
                 <a:latin typeface="Arial"/>
               </a:defRPr>
             </a:pPr>
             <a:r>
-              <a:t>Place Chart Title Here</a:t>
+              <a:t>fffdsdd</a:t>
             </a:r>
           </a:p>
         </c:rich>
@@ -140,7 +143,7 @@
     <c:plotArea>
       <c:barChart>
         <c:barDir val="col"/>
-        <c:grouping val="stacked"/>
+        <c:grouping val="clustered"/>
         <c:ser>
           <c:idx val="0"/>
           <c:order val="0"/>
@@ -155,26 +158,6 @@
               </c:strCache>
             </c:strRef>
           </c:tx>
-          <c:dLbls>
-            <c:txPr>
-              <a:bodyPr/>
-              <a:lstStyle/>
-              <a:p>
-                <a:pPr>
-                  <a:defRPr sz="800" b="1">
-                    <a:latin typeface="Arial"/>
-                  </a:defRPr>
-                </a:pPr>
-              </a:p>
-            </c:txPr>
-            <c:showLegendKey val="0"/>
-            <c:showVal val="1"/>
-            <c:showCatName val="0"/>
-            <c:showSerName val="0"/>
-            <c:showPercent val="0"/>
-            <c:showBubbleSize val="0"/>
-            <c:showLeaderLines val="1"/>
-          </c:dLbls>
           <c:cat>
             <c:strRef>
               <c:f>Sheet1!$A$2:$A$11</c:f>
@@ -267,26 +250,6 @@
               </c:strCache>
             </c:strRef>
           </c:tx>
-          <c:dLbls>
-            <c:txPr>
-              <a:bodyPr/>
-              <a:lstStyle/>
-              <a:p>
-                <a:pPr>
-                  <a:defRPr sz="800" b="1">
-                    <a:latin typeface="Arial"/>
-                  </a:defRPr>
-                </a:pPr>
-              </a:p>
-            </c:txPr>
-            <c:showLegendKey val="0"/>
-            <c:showVal val="1"/>
-            <c:showCatName val="0"/>
-            <c:showSerName val="0"/>
-            <c:showPercent val="0"/>
-            <c:showBubbleSize val="0"/>
-            <c:showLeaderLines val="1"/>
-          </c:dLbls>
           <c:cat>
             <c:strRef>
               <c:f>Sheet1!$A$2:$A$11</c:f>
@@ -379,26 +342,6 @@
               </c:strCache>
             </c:strRef>
           </c:tx>
-          <c:dLbls>
-            <c:txPr>
-              <a:bodyPr/>
-              <a:lstStyle/>
-              <a:p>
-                <a:pPr>
-                  <a:defRPr sz="800" b="1">
-                    <a:latin typeface="Arial"/>
-                  </a:defRPr>
-                </a:pPr>
-              </a:p>
-            </c:txPr>
-            <c:showLegendKey val="0"/>
-            <c:showVal val="1"/>
-            <c:showCatName val="0"/>
-            <c:showSerName val="0"/>
-            <c:showPercent val="0"/>
-            <c:showBubbleSize val="0"/>
-            <c:showLeaderLines val="1"/>
-          </c:dLbls>
           <c:cat>
             <c:strRef>
               <c:f>Sheet1!$A$2:$A$11</c:f>
@@ -491,26 +434,6 @@
               </c:strCache>
             </c:strRef>
           </c:tx>
-          <c:dLbls>
-            <c:txPr>
-              <a:bodyPr/>
-              <a:lstStyle/>
-              <a:p>
-                <a:pPr>
-                  <a:defRPr sz="800" b="1">
-                    <a:latin typeface="Arial"/>
-                  </a:defRPr>
-                </a:pPr>
-              </a:p>
-            </c:txPr>
-            <c:showLegendKey val="0"/>
-            <c:showVal val="1"/>
-            <c:showCatName val="0"/>
-            <c:showSerName val="0"/>
-            <c:showPercent val="0"/>
-            <c:showBubbleSize val="0"/>
-            <c:showLeaderLines val="1"/>
-          </c:dLbls>
           <c:cat>
             <c:strRef>
               <c:f>Sheet1!$A$2:$A$11</c:f>
@@ -603,26 +526,6 @@
               </c:strCache>
             </c:strRef>
           </c:tx>
-          <c:dLbls>
-            <c:txPr>
-              <a:bodyPr/>
-              <a:lstStyle/>
-              <a:p>
-                <a:pPr>
-                  <a:defRPr sz="800" b="1">
-                    <a:latin typeface="Arial"/>
-                  </a:defRPr>
-                </a:pPr>
-              </a:p>
-            </c:txPr>
-            <c:showLegendKey val="0"/>
-            <c:showVal val="1"/>
-            <c:showCatName val="0"/>
-            <c:showSerName val="0"/>
-            <c:showPercent val="0"/>
-            <c:showBubbleSize val="0"/>
-            <c:showLeaderLines val="1"/>
-          </c:dLbls>
           <c:cat>
             <c:strRef>
               <c:f>Sheet1!$A$2:$A$11</c:f>
@@ -701,7 +604,6 @@
             </c:numRef>
           </c:val>
         </c:ser>
-        <c:overlap val="100"/>
         <c:axId val="-2068027336"/>
         <c:axId val="-2113994440"/>
       </c:barChart>
@@ -719,8 +621,11 @@
               <a:lstStyle/>
               <a:p>
                 <a:pPr>
-                  <a:defRPr sz="1800">
-                    <a:latin typeface="Arial"/>
+                  <a:defRPr sz="2000">
+                    <a:solidFill>
+                      <a:srgbClr val="081EE6"/>
+                    </a:solidFill>
+                    <a:latin typeface="Bauhaus 93"/>
                   </a:defRPr>
                 </a:pPr>
                 <a:r>
@@ -748,26 +653,6 @@
         <c:delete val="0"/>
         <c:axPos val="l"/>
         <c:majorGridlines/>
-        <c:title>
-          <c:tx>
-            <c:rich>
-              <a:bodyPr/>
-              <a:lstStyle/>
-              <a:p>
-                <a:pPr>
-                  <a:defRPr sz="1800">
-                    <a:latin typeface="Arial"/>
-                  </a:defRPr>
-                </a:pPr>
-                <a:r>
-                  <a:t>Count</a:t>
-                </a:r>
-              </a:p>
-            </c:rich>
-          </c:tx>
-          <c:layout/>
-          <c:overlay val="0"/>
-        </c:title>
         <c:majorTickMark val="out"/>
         <c:minorTickMark val="none"/>
         <c:tickLblPos val="nextTo"/>
@@ -775,21 +660,6 @@
         <c:crosses val="autoZero"/>
       </c:valAx>
     </c:plotArea>
-    <c:legend>
-      <c:legendPos val="b"/>
-      <c:overlay val="0"/>
-      <c:txPr>
-        <a:bodyPr/>
-        <a:lstStyle/>
-        <a:p>
-          <a:pPr>
-            <a:defRPr sz="800" b="1">
-              <a:latin typeface="Arial"/>
-            </a:defRPr>
-          </a:pPr>
-        </a:p>
-      </c:txPr>
-    </c:legend>
     <c:dispBlanksAs val="gap"/>
   </c:chart>
   <c:txPr>

--- a/Output/output_presentation4.pptx
+++ b/Output/output_presentation4.pptx
@@ -123,15 +123,15 @@
           <a:lstStyle/>
           <a:p>
             <a:pPr>
-              <a:defRPr sz="3000">
+              <a:defRPr sz="1000">
                 <a:solidFill>
-                  <a:srgbClr val="F10505"/>
+                  <a:srgbClr val="000000"/>
                 </a:solidFill>
-                <a:latin typeface="Arial"/>
+                <a:latin typeface="Agency FB"/>
               </a:defRPr>
             </a:pPr>
             <a:r>
-              <a:t>fffdsdd</a:t>
+              <a:t>No Chart Title</a:t>
             </a:r>
           </a:p>
         </c:rich>
@@ -143,7 +143,7 @@
     <c:plotArea>
       <c:barChart>
         <c:barDir val="col"/>
-        <c:grouping val="clustered"/>
+        <c:grouping val="stacked"/>
         <c:ser>
           <c:idx val="0"/>
           <c:order val="0"/>
@@ -604,6 +604,7 @@
             </c:numRef>
           </c:val>
         </c:ser>
+        <c:overlap val="100"/>
         <c:axId val="-2068027336"/>
         <c:axId val="-2113994440"/>
       </c:barChart>
@@ -621,11 +622,11 @@
               <a:lstStyle/>
               <a:p>
                 <a:pPr>
-                  <a:defRPr sz="2000">
+                  <a:defRPr sz="1000">
                     <a:solidFill>
-                      <a:srgbClr val="081EE6"/>
+                      <a:srgbClr val="000000"/>
                     </a:solidFill>
-                    <a:latin typeface="Bauhaus 93"/>
+                    <a:latin typeface="Agency FB"/>
                   </a:defRPr>
                 </a:pPr>
                 <a:r>
@@ -653,6 +654,29 @@
         <c:delete val="0"/>
         <c:axPos val="l"/>
         <c:majorGridlines/>
+        <c:title>
+          <c:tx>
+            <c:rich>
+              <a:bodyPr/>
+              <a:lstStyle/>
+              <a:p>
+                <a:pPr>
+                  <a:defRPr sz="1000">
+                    <a:solidFill>
+                      <a:srgbClr val="000000"/>
+                    </a:solidFill>
+                    <a:latin typeface="Agency FB"/>
+                  </a:defRPr>
+                </a:pPr>
+                <a:r>
+                  <a:t>Count</a:t>
+                </a:r>
+              </a:p>
+            </c:rich>
+          </c:tx>
+          <c:layout/>
+          <c:overlay val="0"/>
+        </c:title>
         <c:majorTickMark val="out"/>
         <c:minorTickMark val="none"/>
         <c:tickLblPos val="nextTo"/>
@@ -660,6 +684,21 @@
         <c:crosses val="autoZero"/>
       </c:valAx>
     </c:plotArea>
+    <c:legend>
+      <c:legendPos val="b"/>
+      <c:overlay val="0"/>
+      <c:txPr>
+        <a:bodyPr/>
+        <a:lstStyle/>
+        <a:p>
+          <a:pPr>
+            <a:defRPr sz="800" b="1">
+              <a:latin typeface="Arial"/>
+            </a:defRPr>
+          </a:pPr>
+        </a:p>
+      </c:txPr>
+    </c:legend>
     <c:dispBlanksAs val="gap"/>
   </c:chart>
   <c:txPr>
@@ -718,7 +757,7 @@
           <a:p>
             <a:fld id="{D1CC32D1-298F-460F-B7DD-1E078394D21F}" type="datetimeFigureOut">
               <a:rPr lang="en-PH" smtClean="0"/>
-              <a:t>3/6/2025</a:t>
+              <a:t>3/7/2025</a:t>
             </a:fld>
             <a:endParaRPr lang="en-PH"/>
           </a:p>
@@ -975,7 +1014,7 @@
           <a:p>
             <a:fld id="{D1CC32D1-298F-460F-B7DD-1E078394D21F}" type="datetimeFigureOut">
               <a:rPr lang="en-PH" smtClean="0"/>
-              <a:t>3/6/2025</a:t>
+              <a:t>3/7/2025</a:t>
             </a:fld>
             <a:endParaRPr lang="en-PH"/>
           </a:p>
@@ -1193,6 +1232,263 @@
 </file>
 
 <file path=ppt/slideLayouts/slideLayout3.xml><?xml version="1.0" encoding="utf-8"?>
+<p:sldLayout xmlns:a="http://schemas.openxmlformats.org/drawingml/2006/main" xmlns:r="http://schemas.openxmlformats.org/officeDocument/2006/relationships" xmlns:p="http://schemas.openxmlformats.org/presentationml/2006/main" preserve="1" userDrawn="1">
+  <p:cSld name="BarChart100Stacked">
+    <p:spTree>
+      <p:nvGrpSpPr>
+        <p:cNvPr id="1" name=""/>
+        <p:cNvGrpSpPr/>
+        <p:nvPr/>
+      </p:nvGrpSpPr>
+      <p:grpSpPr>
+        <a:xfrm>
+          <a:off x="0" y="0"/>
+          <a:ext cx="0" cy="0"/>
+          <a:chOff x="0" y="0"/>
+          <a:chExt cx="0" cy="0"/>
+        </a:xfrm>
+      </p:grpSpPr>
+      <p:sp>
+        <p:nvSpPr>
+          <p:cNvPr id="5" name="Date Placeholder 4">
+            <a:extLst>
+              <a:ext uri="{FF2B5EF4-FFF2-40B4-BE49-F238E27FC236}">
+                <a16:creationId xmlns:a16="http://schemas.microsoft.com/office/drawing/2014/main" id="{04983B4B-58DC-214F-66A2-149CA91DB26F}"/>
+              </a:ext>
+            </a:extLst>
+          </p:cNvPr>
+          <p:cNvSpPr>
+            <a:spLocks noGrp="1"/>
+          </p:cNvSpPr>
+          <p:nvPr>
+            <p:ph type="dt" sz="half" idx="10"/>
+          </p:nvPr>
+        </p:nvSpPr>
+        <p:spPr/>
+        <p:txBody>
+          <a:bodyPr/>
+          <a:lstStyle/>
+          <a:p>
+            <a:fld id="{D1CC32D1-298F-460F-B7DD-1E078394D21F}" type="datetimeFigureOut">
+              <a:rPr lang="en-PH" smtClean="0"/>
+              <a:t>3/7/2025</a:t>
+            </a:fld>
+            <a:endParaRPr lang="en-PH"/>
+          </a:p>
+        </p:txBody>
+      </p:sp>
+      <p:sp>
+        <p:nvSpPr>
+          <p:cNvPr id="6" name="Footer Placeholder 5">
+            <a:extLst>
+              <a:ext uri="{FF2B5EF4-FFF2-40B4-BE49-F238E27FC236}">
+                <a16:creationId xmlns:a16="http://schemas.microsoft.com/office/drawing/2014/main" id="{8793EE4B-41EF-76D1-C3CE-DD4CF143C6D2}"/>
+              </a:ext>
+            </a:extLst>
+          </p:cNvPr>
+          <p:cNvSpPr>
+            <a:spLocks noGrp="1"/>
+          </p:cNvSpPr>
+          <p:nvPr>
+            <p:ph type="ftr" sz="quarter" idx="11"/>
+          </p:nvPr>
+        </p:nvSpPr>
+        <p:spPr/>
+        <p:txBody>
+          <a:bodyPr/>
+          <a:lstStyle/>
+          <a:p>
+            <a:endParaRPr lang="en-PH"/>
+          </a:p>
+        </p:txBody>
+      </p:sp>
+      <p:sp>
+        <p:nvSpPr>
+          <p:cNvPr id="7" name="Slide Number Placeholder 6">
+            <a:extLst>
+              <a:ext uri="{FF2B5EF4-FFF2-40B4-BE49-F238E27FC236}">
+                <a16:creationId xmlns:a16="http://schemas.microsoft.com/office/drawing/2014/main" id="{74D6DAE9-B988-982E-DE47-34FCAE1C48CB}"/>
+              </a:ext>
+            </a:extLst>
+          </p:cNvPr>
+          <p:cNvSpPr>
+            <a:spLocks noGrp="1"/>
+          </p:cNvSpPr>
+          <p:nvPr>
+            <p:ph type="sldNum" sz="quarter" idx="12"/>
+          </p:nvPr>
+        </p:nvSpPr>
+        <p:spPr/>
+        <p:txBody>
+          <a:bodyPr/>
+          <a:lstStyle/>
+          <a:p>
+            <a:fld id="{D1C3CD72-0E40-44D9-9578-6A734B8CFAF7}" type="slidenum">
+              <a:rPr lang="en-PH" smtClean="0"/>
+              <a:t>‹#›</a:t>
+            </a:fld>
+            <a:endParaRPr lang="en-PH"/>
+          </a:p>
+        </p:txBody>
+      </p:sp>
+      <p:sp>
+        <p:nvSpPr>
+          <p:cNvPr id="11" name="Text Placeholder 10">
+            <a:extLst>
+              <a:ext uri="{FF2B5EF4-FFF2-40B4-BE49-F238E27FC236}">
+                <a16:creationId xmlns:a16="http://schemas.microsoft.com/office/drawing/2014/main" id="{06CA6FEC-F576-D9F1-D67C-7BF855740361}"/>
+              </a:ext>
+            </a:extLst>
+          </p:cNvPr>
+          <p:cNvSpPr>
+            <a:spLocks noGrp="1"/>
+          </p:cNvSpPr>
+          <p:nvPr>
+            <p:ph type="body" sz="quarter" idx="14"/>
+          </p:nvPr>
+        </p:nvSpPr>
+        <p:spPr>
+          <a:xfrm>
+            <a:off x="7081837" y="1931990"/>
+            <a:ext cx="4271963" cy="4217987"/>
+          </a:xfrm>
+        </p:spPr>
+        <p:txBody>
+          <a:bodyPr/>
+          <a:lstStyle/>
+          <a:p>
+            <a:pPr lvl="0"/>
+            <a:r>
+              <a:rPr lang="en-US" dirty="0"/>
+              <a:t>Click to edit Master text styles</a:t>
+            </a:r>
+          </a:p>
+          <a:p>
+            <a:pPr lvl="1"/>
+            <a:r>
+              <a:rPr lang="en-US" dirty="0"/>
+              <a:t>Second level</a:t>
+            </a:r>
+          </a:p>
+          <a:p>
+            <a:pPr lvl="2"/>
+            <a:r>
+              <a:rPr lang="en-US" dirty="0"/>
+              <a:t>Third level</a:t>
+            </a:r>
+          </a:p>
+          <a:p>
+            <a:pPr lvl="3"/>
+            <a:r>
+              <a:rPr lang="en-US" dirty="0"/>
+              <a:t>Fourth level</a:t>
+            </a:r>
+          </a:p>
+          <a:p>
+            <a:pPr lvl="4"/>
+            <a:r>
+              <a:rPr lang="en-US" dirty="0"/>
+              <a:t>Fifth level</a:t>
+            </a:r>
+            <a:endParaRPr lang="en-PH" dirty="0"/>
+          </a:p>
+        </p:txBody>
+      </p:sp>
+      <p:sp>
+        <p:nvSpPr>
+          <p:cNvPr id="9" name="Chart Placeholder 8">
+            <a:extLst>
+              <a:ext uri="{FF2B5EF4-FFF2-40B4-BE49-F238E27FC236}">
+                <a16:creationId xmlns:a16="http://schemas.microsoft.com/office/drawing/2014/main" id="{DD42AFF4-7A7B-E8D5-173D-2C3A2F2EB4EA}"/>
+              </a:ext>
+            </a:extLst>
+          </p:cNvPr>
+          <p:cNvSpPr>
+            <a:spLocks noGrp="1"/>
+          </p:cNvSpPr>
+          <p:nvPr>
+            <p:ph type="chart" sz="quarter" idx="13"/>
+          </p:nvPr>
+        </p:nvSpPr>
+        <p:spPr>
+          <a:xfrm>
+            <a:off x="838200" y="1931988"/>
+            <a:ext cx="6105525" cy="4217988"/>
+          </a:xfrm>
+          <a:solidFill>
+            <a:schemeClr val="bg1"/>
+          </a:solidFill>
+        </p:spPr>
+        <p:txBody>
+          <a:bodyPr/>
+          <a:lstStyle/>
+          <a:p>
+            <a:endParaRPr lang="en-PH"/>
+          </a:p>
+        </p:txBody>
+      </p:sp>
+      <p:sp>
+        <p:nvSpPr>
+          <p:cNvPr id="3" name="Rectangle 2">
+            <a:extLst>
+              <a:ext uri="{FF2B5EF4-FFF2-40B4-BE49-F238E27FC236}">
+                <a16:creationId xmlns:a16="http://schemas.microsoft.com/office/drawing/2014/main" id="{FDC589DB-7ADB-779D-E577-8F63EC40BCC8}"/>
+              </a:ext>
+            </a:extLst>
+          </p:cNvPr>
+          <p:cNvSpPr/>
+          <p:nvPr userDrawn="1"/>
+        </p:nvSpPr>
+        <p:spPr>
+          <a:xfrm>
+            <a:off x="838199" y="136525"/>
+            <a:ext cx="10515601" cy="923330"/>
+          </a:xfrm>
+          <a:prstGeom prst="rect">
+            <a:avLst/>
+          </a:prstGeom>
+          <a:noFill/>
+        </p:spPr>
+        <p:txBody>
+          <a:bodyPr wrap="square" lIns="91440" tIns="45720" rIns="91440" bIns="45720">
+            <a:spAutoFit/>
+          </a:bodyPr>
+          <a:lstStyle/>
+          <a:p>
+            <a:pPr algn="ctr"/>
+            <a:r>
+              <a:rPr lang="en-US" sz="5400" b="0" cap="none" spc="0" dirty="0">
+                <a:ln w="0"/>
+                <a:solidFill>
+                  <a:schemeClr val="tx1"/>
+                </a:solidFill>
+                <a:effectLst>
+                  <a:outerShdw blurRad="38100" dist="19050" dir="2700000" algn="tl" rotWithShape="0">
+                    <a:schemeClr val="dk1">
+                      <a:alpha val="40000"/>
+                    </a:schemeClr>
+                  </a:outerShdw>
+                </a:effectLst>
+              </a:rPr>
+              <a:t>Bar Chart-100%Stacked</a:t>
+            </a:r>
+          </a:p>
+        </p:txBody>
+      </p:sp>
+    </p:spTree>
+    <p:extLst>
+      <p:ext uri="{BB962C8B-B14F-4D97-AF65-F5344CB8AC3E}">
+        <p14:creationId xmlns:p14="http://schemas.microsoft.com/office/powerpoint/2010/main" val="2137164375"/>
+      </p:ext>
+    </p:extLst>
+  </p:cSld>
+  <p:clrMapOvr>
+    <a:masterClrMapping/>
+  </p:clrMapOvr>
+</p:sldLayout>
+</file>
+
+<file path=ppt/slideLayouts/slideLayout4.xml><?xml version="1.0" encoding="utf-8"?>
 <p:sldLayout xmlns:a="http://schemas.openxmlformats.org/drawingml/2006/main" xmlns:r="http://schemas.openxmlformats.org/officeDocument/2006/relationships" xmlns:p="http://schemas.openxmlformats.org/presentationml/2006/main" preserve="1" userDrawn="1">
   <p:cSld name="PieChartStandard">
     <p:spTree>
@@ -1232,7 +1528,7 @@
           <a:p>
             <a:fld id="{D1CC32D1-298F-460F-B7DD-1E078394D21F}" type="datetimeFigureOut">
               <a:rPr lang="en-PH" smtClean="0"/>
-              <a:t>3/6/2025</a:t>
+              <a:t>3/7/2025</a:t>
             </a:fld>
             <a:endParaRPr lang="en-PH"/>
           </a:p>
@@ -1449,7 +1745,7 @@
 </p:sldLayout>
 </file>
 
-<file path=ppt/slideLayouts/slideLayout4.xml><?xml version="1.0" encoding="utf-8"?>
+<file path=ppt/slideLayouts/slideLayout5.xml><?xml version="1.0" encoding="utf-8"?>
 <p:sldLayout xmlns:a="http://schemas.openxmlformats.org/drawingml/2006/main" xmlns:r="http://schemas.openxmlformats.org/officeDocument/2006/relationships" xmlns:p="http://schemas.openxmlformats.org/presentationml/2006/main" preserve="1" userDrawn="1">
   <p:cSld name="PieChartDoughnut">
     <p:spTree>
@@ -1489,7 +1785,7 @@
           <a:p>
             <a:fld id="{D1CC32D1-298F-460F-B7DD-1E078394D21F}" type="datetimeFigureOut">
               <a:rPr lang="en-PH" smtClean="0"/>
-              <a:t>3/6/2025</a:t>
+              <a:t>3/7/2025</a:t>
             </a:fld>
             <a:endParaRPr lang="en-PH"/>
           </a:p>
@@ -1706,7 +2002,7 @@
 </p:sldLayout>
 </file>
 
-<file path=ppt/slideLayouts/slideLayout5.xml><?xml version="1.0" encoding="utf-8"?>
+<file path=ppt/slideLayouts/slideLayout6.xml><?xml version="1.0" encoding="utf-8"?>
 <p:sldLayout xmlns:a="http://schemas.openxmlformats.org/drawingml/2006/main" xmlns:r="http://schemas.openxmlformats.org/officeDocument/2006/relationships" xmlns:p="http://schemas.openxmlformats.org/presentationml/2006/main" preserve="1" userDrawn="1">
   <p:cSld name="PieChartxStandard">
     <p:spTree>
@@ -1746,7 +2042,7 @@
           <a:p>
             <a:fld id="{D1CC32D1-298F-460F-B7DD-1E078394D21F}" type="datetimeFigureOut">
               <a:rPr lang="en-PH" smtClean="0"/>
-              <a:t>3/6/2025</a:t>
+              <a:t>3/7/2025</a:t>
             </a:fld>
             <a:endParaRPr lang="en-PH"/>
           </a:p>
@@ -1992,7 +2288,7 @@
 </p:sldLayout>
 </file>
 
-<file path=ppt/slideLayouts/slideLayout6.xml><?xml version="1.0" encoding="utf-8"?>
+<file path=ppt/slideLayouts/slideLayout7.xml><?xml version="1.0" encoding="utf-8"?>
 <p:sldLayout xmlns:a="http://schemas.openxmlformats.org/drawingml/2006/main" xmlns:r="http://schemas.openxmlformats.org/officeDocument/2006/relationships" xmlns:p="http://schemas.openxmlformats.org/presentationml/2006/main" preserve="1" userDrawn="1">
   <p:cSld name="PieChartxDoughnut">
     <p:spTree>
@@ -2032,7 +2328,7 @@
           <a:p>
             <a:fld id="{D1CC32D1-298F-460F-B7DD-1E078394D21F}" type="datetimeFigureOut">
               <a:rPr lang="en-PH" smtClean="0"/>
-              <a:t>3/6/2025</a:t>
+              <a:t>3/7/2025</a:t>
             </a:fld>
             <a:endParaRPr lang="en-PH"/>
           </a:p>
@@ -2278,7 +2574,7 @@
 </p:sldLayout>
 </file>
 
-<file path=ppt/slideLayouts/slideLayout7.xml><?xml version="1.0" encoding="utf-8"?>
+<file path=ppt/slideLayouts/slideLayout8.xml><?xml version="1.0" encoding="utf-8"?>
 <p:sldLayout xmlns:a="http://schemas.openxmlformats.org/drawingml/2006/main" xmlns:r="http://schemas.openxmlformats.org/officeDocument/2006/relationships" xmlns:p="http://schemas.openxmlformats.org/presentationml/2006/main" preserve="1" userDrawn="1">
   <p:cSld name="LineChart">
     <p:bg>
@@ -2326,7 +2622,7 @@
           <a:p>
             <a:fld id="{D1CC32D1-298F-460F-B7DD-1E078394D21F}" type="datetimeFigureOut">
               <a:rPr lang="en-PH" smtClean="0"/>
-              <a:t>3/6/2025</a:t>
+              <a:t>3/7/2025</a:t>
             </a:fld>
             <a:endParaRPr lang="en-PH"/>
           </a:p>
@@ -2713,7 +3009,7 @@
           <a:p>
             <a:fld id="{D1CC32D1-298F-460F-B7DD-1E078394D21F}" type="datetimeFigureOut">
               <a:rPr lang="en-PH" smtClean="0"/>
-              <a:t>3/6/2025</a:t>
+              <a:t>3/7/2025</a:t>
             </a:fld>
             <a:endParaRPr lang="en-PH"/>
           </a:p>
@@ -2820,11 +3116,12 @@
   <p:sldLayoutIdLst>
     <p:sldLayoutId id="2147483652" r:id="rId1"/>
     <p:sldLayoutId id="2147483655" r:id="rId2"/>
-    <p:sldLayoutId id="2147483653" r:id="rId3"/>
-    <p:sldLayoutId id="2147483656" r:id="rId4"/>
-    <p:sldLayoutId id="2147483657" r:id="rId5"/>
-    <p:sldLayoutId id="2147483658" r:id="rId6"/>
-    <p:sldLayoutId id="2147483654" r:id="rId7"/>
+    <p:sldLayoutId id="2147483659" r:id="rId3"/>
+    <p:sldLayoutId id="2147483653" r:id="rId4"/>
+    <p:sldLayoutId id="2147483656" r:id="rId5"/>
+    <p:sldLayoutId id="2147483657" r:id="rId6"/>
+    <p:sldLayoutId id="2147483658" r:id="rId7"/>
+    <p:sldLayoutId id="2147483654" r:id="rId8"/>
   </p:sldLayoutIdLst>
   <p:txStyles>
     <p:titleStyle>

--- a/Output/output_presentation4.pptx
+++ b/Output/output_presentation4.pptx
@@ -123,15 +123,15 @@
           <a:lstStyle/>
           <a:p>
             <a:pPr>
-              <a:defRPr sz="1000">
+              <a:defRPr sz="2000" b="1" i="1" u="sng">
                 <a:solidFill>
-                  <a:srgbClr val="000000"/>
+                  <a:srgbClr val="A5C160"/>
                 </a:solidFill>
-                <a:latin typeface="Agency FB"/>
+                <a:latin typeface="Broadway"/>
               </a:defRPr>
             </a:pPr>
             <a:r>
-              <a:t>No Chart Title</a:t>
+              <a:t>dfrddd</a:t>
             </a:r>
           </a:p>
         </c:rich>
@@ -684,21 +684,6 @@
         <c:crosses val="autoZero"/>
       </c:valAx>
     </c:plotArea>
-    <c:legend>
-      <c:legendPos val="b"/>
-      <c:overlay val="0"/>
-      <c:txPr>
-        <a:bodyPr/>
-        <a:lstStyle/>
-        <a:p>
-          <a:pPr>
-            <a:defRPr sz="800" b="1">
-              <a:latin typeface="Arial"/>
-            </a:defRPr>
-          </a:pPr>
-        </a:p>
-      </c:txPr>
-    </c:legend>
     <c:dispBlanksAs val="gap"/>
   </c:chart>
   <c:txPr>
